--- a/第二章 统计决策方法.pptx
+++ b/第二章 统计决策方法.pptx
@@ -246,7 +246,7 @@
           <a:p>
             <a:fld id="{CCC310C2-7026-4046-9485-30BFCCC2E0B1}" type="datetimeFigureOut">
               <a:rPr lang="zh-CN" altLang="en-US" smtClean="0"/>
-              <a:t>2020/3/1</a:t>
+              <a:t>2020/3/7</a:t>
             </a:fld>
             <a:endParaRPr lang="zh-CN" altLang="en-US"/>
           </a:p>
@@ -660,7 +660,7 @@
           <a:p>
             <a:fld id="{72593F97-EB44-4BD6-B24A-502F1F240235}" type="datetime1">
               <a:rPr lang="zh-CN" altLang="en-US" smtClean="0"/>
-              <a:t>2020/3/1</a:t>
+              <a:t>2020/3/7</a:t>
             </a:fld>
             <a:endParaRPr lang="zh-CN" altLang="en-US"/>
           </a:p>
@@ -858,7 +858,7 @@
           <a:p>
             <a:fld id="{E837FF80-D704-4A14-BDBF-5FAB9072461E}" type="datetime1">
               <a:rPr lang="zh-CN" altLang="en-US" smtClean="0"/>
-              <a:t>2020/3/1</a:t>
+              <a:t>2020/3/7</a:t>
             </a:fld>
             <a:endParaRPr lang="zh-CN" altLang="en-US"/>
           </a:p>
@@ -1066,7 +1066,7 @@
           <a:p>
             <a:fld id="{6960B7F0-F8C4-44DB-972F-C154ECE911B5}" type="datetime1">
               <a:rPr lang="zh-CN" altLang="en-US" smtClean="0"/>
-              <a:t>2020/3/1</a:t>
+              <a:t>2020/3/7</a:t>
             </a:fld>
             <a:endParaRPr lang="zh-CN" altLang="en-US"/>
           </a:p>
@@ -1264,7 +1264,7 @@
           <a:p>
             <a:fld id="{DEC1471E-DD98-4175-B2C6-9FC5344CC421}" type="datetime1">
               <a:rPr lang="zh-CN" altLang="en-US" smtClean="0"/>
-              <a:t>2020/3/1</a:t>
+              <a:t>2020/3/7</a:t>
             </a:fld>
             <a:endParaRPr lang="zh-CN" altLang="en-US"/>
           </a:p>
@@ -1539,7 +1539,7 @@
           <a:p>
             <a:fld id="{128B0670-3341-4D89-844A-794209DCF1EC}" type="datetime1">
               <a:rPr lang="zh-CN" altLang="en-US" smtClean="0"/>
-              <a:t>2020/3/1</a:t>
+              <a:t>2020/3/7</a:t>
             </a:fld>
             <a:endParaRPr lang="zh-CN" altLang="en-US"/>
           </a:p>
@@ -1804,7 +1804,7 @@
           <a:p>
             <a:fld id="{C2F89732-80D4-40BE-A2C7-2E90E631F3DB}" type="datetime1">
               <a:rPr lang="zh-CN" altLang="en-US" smtClean="0"/>
-              <a:t>2020/3/1</a:t>
+              <a:t>2020/3/7</a:t>
             </a:fld>
             <a:endParaRPr lang="zh-CN" altLang="en-US"/>
           </a:p>
@@ -2216,7 +2216,7 @@
           <a:p>
             <a:fld id="{CAB28F1A-1A27-4118-8B11-A343ADE3B0E8}" type="datetime1">
               <a:rPr lang="zh-CN" altLang="en-US" smtClean="0"/>
-              <a:t>2020/3/1</a:t>
+              <a:t>2020/3/7</a:t>
             </a:fld>
             <a:endParaRPr lang="zh-CN" altLang="en-US"/>
           </a:p>
@@ -2357,7 +2357,7 @@
           <a:p>
             <a:fld id="{946093AB-D6A7-4C42-A502-298B6568DBA1}" type="datetime1">
               <a:rPr lang="zh-CN" altLang="en-US" smtClean="0"/>
-              <a:t>2020/3/1</a:t>
+              <a:t>2020/3/7</a:t>
             </a:fld>
             <a:endParaRPr lang="zh-CN" altLang="en-US"/>
           </a:p>
@@ -2470,7 +2470,7 @@
           <a:p>
             <a:fld id="{873E96BB-0888-4008-94CF-BBFBFABA5CA5}" type="datetime1">
               <a:rPr lang="zh-CN" altLang="en-US" smtClean="0"/>
-              <a:t>2020/3/1</a:t>
+              <a:t>2020/3/7</a:t>
             </a:fld>
             <a:endParaRPr lang="zh-CN" altLang="en-US"/>
           </a:p>
@@ -2781,7 +2781,7 @@
           <a:p>
             <a:fld id="{BFD75653-CB5F-4147-B721-59D0A7069419}" type="datetime1">
               <a:rPr lang="zh-CN" altLang="en-US" smtClean="0"/>
-              <a:t>2020/3/1</a:t>
+              <a:t>2020/3/7</a:t>
             </a:fld>
             <a:endParaRPr lang="zh-CN" altLang="en-US"/>
           </a:p>
@@ -3069,7 +3069,7 @@
           <a:p>
             <a:fld id="{CB1BE736-A8A7-4290-B962-6E2E76E3430D}" type="datetime1">
               <a:rPr lang="zh-CN" altLang="en-US" smtClean="0"/>
-              <a:t>2020/3/1</a:t>
+              <a:t>2020/3/7</a:t>
             </a:fld>
             <a:endParaRPr lang="zh-CN" altLang="en-US"/>
           </a:p>
@@ -3310,7 +3310,7 @@
           <a:p>
             <a:fld id="{906A1DDA-03E5-4CDE-B9C2-6049298A78CA}" type="datetime1">
               <a:rPr lang="zh-CN" altLang="en-US" smtClean="0"/>
-              <a:t>2020/3/1</a:t>
+              <a:t>2020/3/7</a:t>
             </a:fld>
             <a:endParaRPr lang="zh-CN" altLang="en-US"/>
           </a:p>
@@ -3853,7 +3853,7 @@
           <a:graphicData uri="http://schemas.openxmlformats.org/presentationml/2006/ole">
             <mc:AlternateContent xmlns:mc="http://schemas.openxmlformats.org/markup-compatibility/2006">
               <mc:Choice xmlns:v="urn:schemas-microsoft-com:vml" Requires="v">
-                <p:oleObj spid="_x0000_s3100" name="Document" r:id="rId3" imgW="8284803" imgH="5545820" progId="Word.Document.8">
+                <p:oleObj spid="_x0000_s3102" name="Document" r:id="rId3" imgW="8284803" imgH="5545820" progId="Word.Document.8">
                   <p:embed/>
                 </p:oleObj>
               </mc:Choice>
@@ -3947,7 +3947,7 @@
           <a:graphicData uri="http://schemas.openxmlformats.org/presentationml/2006/ole">
             <mc:AlternateContent xmlns:mc="http://schemas.openxmlformats.org/markup-compatibility/2006">
               <mc:Choice xmlns:v="urn:schemas-microsoft-com:vml" Requires="v">
-                <p:oleObj spid="_x0000_s4124" name="Document" r:id="rId3" imgW="8115321" imgH="2852043" progId="Word.Document.8">
+                <p:oleObj spid="_x0000_s4126" name="Document" r:id="rId3" imgW="8115321" imgH="2852043" progId="Word.Document.8">
                   <p:embed/>
                 </p:oleObj>
               </mc:Choice>
@@ -7071,7 +7071,7 @@
           <a:graphicData uri="http://schemas.openxmlformats.org/presentationml/2006/ole">
             <mc:AlternateContent xmlns:mc="http://schemas.openxmlformats.org/markup-compatibility/2006">
               <mc:Choice xmlns:v="urn:schemas-microsoft-com:vml" Requires="v">
-                <p:oleObj spid="_x0000_s5146" name="Document" r:id="rId3" imgW="8121078" imgH="5441630" progId="Word.Document.8">
+                <p:oleObj spid="_x0000_s5148" name="Document" r:id="rId3" imgW="8121078" imgH="5441630" progId="Word.Document.8">
                   <p:embed/>
                 </p:oleObj>
               </mc:Choice>
@@ -7601,7 +7601,7 @@
           <a:graphicData uri="http://schemas.openxmlformats.org/presentationml/2006/ole">
             <mc:AlternateContent xmlns:mc="http://schemas.openxmlformats.org/markup-compatibility/2006">
               <mc:Choice xmlns:v="urn:schemas-microsoft-com:vml" Requires="v">
-                <p:oleObj spid="_x0000_s6162" name="Document" r:id="rId3" imgW="9092628" imgH="2823562" progId="Word.Document.8">
+                <p:oleObj spid="_x0000_s6164" name="Document" r:id="rId3" imgW="9092628" imgH="2823562" progId="Word.Document.8">
                   <p:embed/>
                 </p:oleObj>
               </mc:Choice>
@@ -7694,7 +7694,7 @@
           <a:graphicData uri="http://schemas.openxmlformats.org/presentationml/2006/ole">
             <mc:AlternateContent xmlns:mc="http://schemas.openxmlformats.org/markup-compatibility/2006">
               <mc:Choice xmlns:v="urn:schemas-microsoft-com:vml" Requires="v">
-                <p:oleObj spid="_x0000_s7186" name="Document" r:id="rId3" imgW="9624898" imgH="5724360" progId="Word.Document.8">
+                <p:oleObj spid="_x0000_s7188" name="Document" r:id="rId3" imgW="9624898" imgH="5724360" progId="Word.Document.8">
                   <p:embed/>
                 </p:oleObj>
               </mc:Choice>
@@ -8531,31 +8531,6 @@
           <a:chExt cx="0" cy="0"/>
         </a:xfrm>
       </p:grpSpPr>
-      <p:sp>
-        <p:nvSpPr>
-          <p:cNvPr id="2" name="标题 1">
-            <a:extLst>
-              <a:ext uri="{FF2B5EF4-FFF2-40B4-BE49-F238E27FC236}">
-                <a16:creationId xmlns:a16="http://schemas.microsoft.com/office/drawing/2014/main" id="{8436E9F7-C3C2-485D-ABB5-B655B3E558D9}"/>
-              </a:ext>
-            </a:extLst>
-          </p:cNvPr>
-          <p:cNvSpPr>
-            <a:spLocks noGrp="1"/>
-          </p:cNvSpPr>
-          <p:nvPr>
-            <p:ph type="title"/>
-          </p:nvPr>
-        </p:nvSpPr>
-        <p:spPr/>
-        <p:txBody>
-          <a:bodyPr/>
-          <a:lstStyle/>
-          <a:p>
-            <a:endParaRPr lang="zh-CN" altLang="en-US" dirty="0"/>
-          </a:p>
-        </p:txBody>
-      </p:sp>
       <p:graphicFrame>
         <p:nvGraphicFramePr>
           <p:cNvPr id="4" name="内容占位符 3">
@@ -8572,20 +8547,20 @@
             <p:ph idx="1"/>
             <p:extLst>
               <p:ext uri="{D42A27DB-BD31-4B8C-83A1-F6EECF244321}">
-                <p14:modId xmlns:p14="http://schemas.microsoft.com/office/powerpoint/2010/main" val="2020424546"/>
+                <p14:modId xmlns:p14="http://schemas.microsoft.com/office/powerpoint/2010/main" val="1677492540"/>
               </p:ext>
             </p:extLst>
           </p:nvPr>
         </p:nvGraphicFramePr>
         <p:xfrm>
-          <a:off x="852488" y="712788"/>
+          <a:off x="1175761" y="929481"/>
           <a:ext cx="10406062" cy="5405437"/>
         </p:xfrm>
         <a:graphic>
           <a:graphicData uri="http://schemas.openxmlformats.org/presentationml/2006/ole">
             <mc:AlternateContent xmlns:mc="http://schemas.openxmlformats.org/markup-compatibility/2006">
               <mc:Choice xmlns:v="urn:schemas-microsoft-com:vml" Requires="v">
-                <p:oleObj spid="_x0000_s8208" name="Document" r:id="rId3" imgW="8150225" imgH="4233901" progId="Word.Document.8">
+                <p:oleObj spid="_x0000_s8210" name="Document" r:id="rId3" imgW="8150225" imgH="4233901" progId="Word.Document.8">
                   <p:embed/>
                 </p:oleObj>
               </mc:Choice>
@@ -8606,7 +8581,7 @@
                     </p:blipFill>
                     <p:spPr>
                       <a:xfrm>
-                        <a:off x="852488" y="712788"/>
+                        <a:off x="1175761" y="929481"/>
                         <a:ext cx="10406062" cy="5405437"/>
                       </a:xfrm>
                       <a:prstGeom prst="rect">
@@ -9420,7 +9395,7 @@
           <a:graphicData uri="http://schemas.openxmlformats.org/presentationml/2006/ole">
             <mc:AlternateContent xmlns:mc="http://schemas.openxmlformats.org/markup-compatibility/2006">
               <mc:Choice xmlns:v="urn:schemas-microsoft-com:vml" Requires="v">
-                <p:oleObj spid="_x0000_s9232" name="Document" r:id="rId3" imgW="8190886" imgH="4622177" progId="Word.Document.8">
+                <p:oleObj spid="_x0000_s9234" name="Document" r:id="rId3" imgW="8190886" imgH="4622177" progId="Word.Document.8">
                   <p:embed/>
                 </p:oleObj>
               </mc:Choice>
@@ -9514,7 +9489,7 @@
           <a:graphicData uri="http://schemas.openxmlformats.org/presentationml/2006/ole">
             <mc:AlternateContent xmlns:mc="http://schemas.openxmlformats.org/markup-compatibility/2006">
               <mc:Choice xmlns:v="urn:schemas-microsoft-com:vml" Requires="v">
-                <p:oleObj spid="_x0000_s10256" name="Document" r:id="rId3" imgW="8150225" imgH="4403344" progId="Word.Document.8">
+                <p:oleObj spid="_x0000_s10258" name="Document" r:id="rId3" imgW="8150225" imgH="4403344" progId="Word.Document.8">
                   <p:embed/>
                 </p:oleObj>
               </mc:Choice>
@@ -15445,8 +15420,8 @@
           </a:p>
         </p:txBody>
       </p:sp>
-      <mc:AlternateContent xmlns:mc="http://schemas.openxmlformats.org/markup-compatibility/2006">
-        <mc:Choice xmlns:a14="http://schemas.microsoft.com/office/drawing/2010/main" Requires="a14">
+      <mc:AlternateContent xmlns:mc="http://schemas.openxmlformats.org/markup-compatibility/2006" xmlns:a14="http://schemas.microsoft.com/office/drawing/2010/main">
+        <mc:Choice Requires="a14">
           <p:sp>
             <p:nvSpPr>
               <p:cNvPr id="3" name="内容占位符 2">
@@ -15933,7 +15908,7 @@
             </p:txBody>
           </p:sp>
         </mc:Choice>
-        <mc:Fallback>
+        <mc:Fallback xmlns="">
           <p:sp>
             <p:nvSpPr>
               <p:cNvPr id="3" name="内容占位符 2">
@@ -20104,8 +20079,8 @@
           <a:chExt cx="0" cy="0"/>
         </a:xfrm>
       </p:grpSpPr>
-      <mc:AlternateContent xmlns:mc="http://schemas.openxmlformats.org/markup-compatibility/2006">
-        <mc:Choice xmlns:a14="http://schemas.microsoft.com/office/drawing/2010/main" Requires="a14">
+      <mc:AlternateContent xmlns:mc="http://schemas.openxmlformats.org/markup-compatibility/2006" xmlns:a14="http://schemas.microsoft.com/office/drawing/2010/main">
+        <mc:Choice Requires="a14">
           <p:sp>
             <p:nvSpPr>
               <p:cNvPr id="3" name="内容占位符 2">
@@ -20525,7 +20500,7 @@
             </p:txBody>
           </p:sp>
         </mc:Choice>
-        <mc:Fallback>
+        <mc:Fallback xmlns="">
           <p:sp>
             <p:nvSpPr>
               <p:cNvPr id="3" name="内容占位符 2">
@@ -20738,8 +20713,8 @@
           </a:p>
         </p:txBody>
       </p:sp>
-      <mc:AlternateContent xmlns:mc="http://schemas.openxmlformats.org/markup-compatibility/2006">
-        <mc:Choice xmlns:a14="http://schemas.microsoft.com/office/drawing/2010/main" Requires="a14">
+      <mc:AlternateContent xmlns:mc="http://schemas.openxmlformats.org/markup-compatibility/2006" xmlns:a14="http://schemas.microsoft.com/office/drawing/2010/main">
+        <mc:Choice Requires="a14">
           <p:sp>
             <p:nvSpPr>
               <p:cNvPr id="3" name="内容占位符 2">
@@ -21680,7 +21655,7 @@
             </p:txBody>
           </p:sp>
         </mc:Choice>
-        <mc:Fallback>
+        <mc:Fallback xmlns="">
           <p:sp>
             <p:nvSpPr>
               <p:cNvPr id="3" name="内容占位符 2">
@@ -22473,8 +22448,8 @@
           <a:chExt cx="0" cy="0"/>
         </a:xfrm>
       </p:grpSpPr>
-      <mc:AlternateContent xmlns:mc="http://schemas.openxmlformats.org/markup-compatibility/2006">
-        <mc:Choice xmlns:a14="http://schemas.microsoft.com/office/drawing/2010/main" Requires="a14">
+      <mc:AlternateContent xmlns:mc="http://schemas.openxmlformats.org/markup-compatibility/2006" xmlns:a14="http://schemas.microsoft.com/office/drawing/2010/main">
+        <mc:Choice Requires="a14">
           <p:sp>
             <p:nvSpPr>
               <p:cNvPr id="3" name="内容占位符 2">
@@ -22510,84 +22485,116 @@
                 <a14:m>
                   <m:oMath xmlns:m="http://schemas.openxmlformats.org/officeDocument/2006/math">
                     <m:r>
-                      <a:rPr lang="en-US" altLang="zh-CN" i="1"/>
+                      <a:rPr lang="en-US" altLang="zh-CN" i="1">
+                        <a:latin typeface="Cambria Math" panose="02040503050406030204" pitchFamily="18" charset="0"/>
+                      </a:rPr>
                       <m:t>𝑝</m:t>
                     </m:r>
                     <m:r>
-                      <a:rPr lang="en-US" altLang="zh-CN" i="1"/>
+                      <a:rPr lang="en-US" altLang="zh-CN" i="1">
+                        <a:latin typeface="Cambria Math" panose="02040503050406030204" pitchFamily="18" charset="0"/>
+                      </a:rPr>
                       <m:t>(</m:t>
                     </m:r>
                     <m:r>
-                      <a:rPr lang="en-US" altLang="zh-CN" i="1"/>
+                      <a:rPr lang="en-US" altLang="zh-CN" i="1">
+                        <a:latin typeface="Cambria Math" panose="02040503050406030204" pitchFamily="18" charset="0"/>
+                      </a:rPr>
                       <m:t>𝑥</m:t>
                     </m:r>
                     <m:r>
-                      <a:rPr lang="en-US" altLang="zh-CN" i="1"/>
+                      <a:rPr lang="en-US" altLang="zh-CN" i="1">
+                        <a:latin typeface="Cambria Math" panose="02040503050406030204" pitchFamily="18" charset="0"/>
+                      </a:rPr>
                       <m:t>)=</m:t>
                     </m:r>
                     <m:f>
                       <m:fPr>
                         <m:ctrlPr>
-                          <a:rPr lang="zh-CN" altLang="zh-CN" i="1"/>
+                          <a:rPr lang="zh-CN" altLang="zh-CN" i="1">
+                            <a:latin typeface="Cambria Math" panose="02040503050406030204" pitchFamily="18" charset="0"/>
+                          </a:rPr>
                         </m:ctrlPr>
                       </m:fPr>
                       <m:num>
                         <m:r>
-                          <a:rPr lang="en-US" altLang="zh-CN" i="1"/>
+                          <a:rPr lang="en-US" altLang="zh-CN" i="1">
+                            <a:latin typeface="Cambria Math" panose="02040503050406030204" pitchFamily="18" charset="0"/>
+                          </a:rPr>
                           <m:t>1</m:t>
                         </m:r>
                       </m:num>
                       <m:den>
                         <m:r>
-                          <a:rPr lang="en-US" altLang="zh-CN" i="1"/>
+                          <a:rPr lang="en-US" altLang="zh-CN" i="1">
+                            <a:latin typeface="Cambria Math" panose="02040503050406030204" pitchFamily="18" charset="0"/>
+                          </a:rPr>
                           <m:t>(2</m:t>
                         </m:r>
                         <m:r>
-                          <a:rPr lang="en-US" altLang="zh-CN" i="1"/>
+                          <a:rPr lang="en-US" altLang="zh-CN" i="1">
+                            <a:latin typeface="Cambria Math" panose="02040503050406030204" pitchFamily="18" charset="0"/>
+                          </a:rPr>
                           <m:t>𝜋</m:t>
                         </m:r>
                         <m:sSup>
                           <m:sSupPr>
                             <m:ctrlPr>
-                              <a:rPr lang="zh-CN" altLang="zh-CN" i="1"/>
+                              <a:rPr lang="zh-CN" altLang="zh-CN" i="1">
+                                <a:latin typeface="Cambria Math" panose="02040503050406030204" pitchFamily="18" charset="0"/>
+                              </a:rPr>
                             </m:ctrlPr>
                           </m:sSupPr>
                           <m:e>
                             <m:r>
-                              <a:rPr lang="en-US" altLang="zh-CN" i="1"/>
+                              <a:rPr lang="en-US" altLang="zh-CN" i="1">
+                                <a:latin typeface="Cambria Math" panose="02040503050406030204" pitchFamily="18" charset="0"/>
+                              </a:rPr>
                               <m:t>)</m:t>
                             </m:r>
                           </m:e>
                           <m:sup>
                             <m:r>
-                              <a:rPr lang="en-US" altLang="zh-CN" i="1"/>
+                              <a:rPr lang="en-US" altLang="zh-CN" i="1">
+                                <a:latin typeface="Cambria Math" panose="02040503050406030204" pitchFamily="18" charset="0"/>
+                              </a:rPr>
                               <m:t>𝑑</m:t>
                             </m:r>
                             <m:r>
-                              <a:rPr lang="en-US" altLang="zh-CN" i="1"/>
+                              <a:rPr lang="en-US" altLang="zh-CN" i="1">
+                                <a:latin typeface="Cambria Math" panose="02040503050406030204" pitchFamily="18" charset="0"/>
+                              </a:rPr>
                               <m:t>/2</m:t>
                             </m:r>
                           </m:sup>
                         </m:sSup>
                         <m:r>
-                          <a:rPr lang="en-US" altLang="zh-CN" i="1"/>
+                          <a:rPr lang="en-US" altLang="zh-CN" i="1">
+                            <a:latin typeface="Cambria Math" panose="02040503050406030204" pitchFamily="18" charset="0"/>
+                          </a:rPr>
                           <m:t>|∑</m:t>
                         </m:r>
                         <m:sSup>
                           <m:sSupPr>
                             <m:ctrlPr>
-                              <a:rPr lang="zh-CN" altLang="zh-CN" i="1"/>
+                              <a:rPr lang="zh-CN" altLang="zh-CN" i="1">
+                                <a:latin typeface="Cambria Math" panose="02040503050406030204" pitchFamily="18" charset="0"/>
+                              </a:rPr>
                             </m:ctrlPr>
                           </m:sSupPr>
                           <m:e>
                             <m:r>
-                              <a:rPr lang="en-US" altLang="zh-CN" i="1"/>
+                              <a:rPr lang="en-US" altLang="zh-CN" i="1">
+                                <a:latin typeface="Cambria Math" panose="02040503050406030204" pitchFamily="18" charset="0"/>
+                              </a:rPr>
                               <m:t>|</m:t>
                             </m:r>
                           </m:e>
                           <m:sup>
                             <m:r>
-                              <a:rPr lang="en-US" altLang="zh-CN" i="1"/>
+                              <a:rPr lang="en-US" altLang="zh-CN" i="1">
+                                <a:latin typeface="Cambria Math" panose="02040503050406030204" pitchFamily="18" charset="0"/>
+                              </a:rPr>
                               <m:t>1/2</m:t>
                             </m:r>
                           </m:sup>
@@ -22597,12 +22604,16 @@
                     <m:func>
                       <m:funcPr>
                         <m:ctrlPr>
-                          <a:rPr lang="zh-CN" altLang="zh-CN" i="1"/>
+                          <a:rPr lang="zh-CN" altLang="zh-CN" i="1">
+                            <a:latin typeface="Cambria Math" panose="02040503050406030204" pitchFamily="18" charset="0"/>
+                          </a:rPr>
                         </m:ctrlPr>
                       </m:funcPr>
                       <m:fName>
                         <m:r>
-                          <a:rPr lang="en-US" altLang="zh-CN" i="1"/>
+                          <a:rPr lang="en-US" altLang="zh-CN" i="1">
+                            <a:latin typeface="Cambria Math" panose="02040503050406030204" pitchFamily="18" charset="0"/>
+                          </a:rPr>
                           <m:t>𝑒𝑥𝑝</m:t>
                         </m:r>
                       </m:fName>
@@ -22612,64 +22623,88 @@
                             <m:begChr m:val="{"/>
                             <m:endChr m:val="}"/>
                             <m:ctrlPr>
-                              <a:rPr lang="zh-CN" altLang="zh-CN" i="1"/>
+                              <a:rPr lang="zh-CN" altLang="zh-CN" i="1">
+                                <a:latin typeface="Cambria Math" panose="02040503050406030204" pitchFamily="18" charset="0"/>
+                              </a:rPr>
                             </m:ctrlPr>
                           </m:dPr>
                           <m:e>
                             <m:r>
-                              <a:rPr lang="en-US" altLang="zh-CN" i="1"/>
+                              <a:rPr lang="en-US" altLang="zh-CN" i="1">
+                                <a:latin typeface="Cambria Math" panose="02040503050406030204" pitchFamily="18" charset="0"/>
+                              </a:rPr>
                               <m:t>−</m:t>
                             </m:r>
                             <m:f>
                               <m:fPr>
                                 <m:ctrlPr>
-                                  <a:rPr lang="zh-CN" altLang="zh-CN" i="1"/>
+                                  <a:rPr lang="zh-CN" altLang="zh-CN" i="1">
+                                    <a:latin typeface="Cambria Math" panose="02040503050406030204" pitchFamily="18" charset="0"/>
+                                  </a:rPr>
                                 </m:ctrlPr>
                               </m:fPr>
                               <m:num>
                                 <m:r>
-                                  <a:rPr lang="en-US" altLang="zh-CN" i="1"/>
+                                  <a:rPr lang="en-US" altLang="zh-CN" i="1">
+                                    <a:latin typeface="Cambria Math" panose="02040503050406030204" pitchFamily="18" charset="0"/>
+                                  </a:rPr>
                                   <m:t>1</m:t>
                                 </m:r>
                               </m:num>
                               <m:den>
                                 <m:r>
-                                  <a:rPr lang="en-US" altLang="zh-CN" i="1"/>
+                                  <a:rPr lang="en-US" altLang="zh-CN" i="1">
+                                    <a:latin typeface="Cambria Math" panose="02040503050406030204" pitchFamily="18" charset="0"/>
+                                  </a:rPr>
                                   <m:t>2</m:t>
                                 </m:r>
                               </m:den>
                             </m:f>
                             <m:r>
-                              <a:rPr lang="en-US" altLang="zh-CN" i="1"/>
+                              <a:rPr lang="en-US" altLang="zh-CN" i="1">
+                                <a:latin typeface="Cambria Math" panose="02040503050406030204" pitchFamily="18" charset="0"/>
+                              </a:rPr>
                               <m:t>(</m:t>
                             </m:r>
                             <m:r>
-                              <a:rPr lang="en-US" altLang="zh-CN" i="1"/>
+                              <a:rPr lang="en-US" altLang="zh-CN" i="1">
+                                <a:latin typeface="Cambria Math" panose="02040503050406030204" pitchFamily="18" charset="0"/>
+                              </a:rPr>
                               <m:t>𝑥</m:t>
                             </m:r>
                             <m:r>
-                              <a:rPr lang="en-US" altLang="zh-CN" i="1"/>
+                              <a:rPr lang="en-US" altLang="zh-CN" i="1">
+                                <a:latin typeface="Cambria Math" panose="02040503050406030204" pitchFamily="18" charset="0"/>
+                              </a:rPr>
                               <m:t>−</m:t>
                             </m:r>
                             <m:r>
-                              <a:rPr lang="en-US" altLang="zh-CN" i="1"/>
+                              <a:rPr lang="en-US" altLang="zh-CN" i="1">
+                                <a:latin typeface="Cambria Math" panose="02040503050406030204" pitchFamily="18" charset="0"/>
+                              </a:rPr>
                               <m:t>𝜇</m:t>
                             </m:r>
                             <m:sSup>
                               <m:sSupPr>
                                 <m:ctrlPr>
-                                  <a:rPr lang="zh-CN" altLang="zh-CN" i="1"/>
+                                  <a:rPr lang="zh-CN" altLang="zh-CN" i="1">
+                                    <a:latin typeface="Cambria Math" panose="02040503050406030204" pitchFamily="18" charset="0"/>
+                                  </a:rPr>
                                 </m:ctrlPr>
                               </m:sSupPr>
                               <m:e>
                                 <m:r>
-                                  <a:rPr lang="en-US" altLang="zh-CN" i="1"/>
+                                  <a:rPr lang="en-US" altLang="zh-CN" i="1">
+                                    <a:latin typeface="Cambria Math" panose="02040503050406030204" pitchFamily="18" charset="0"/>
+                                  </a:rPr>
                                   <m:t>)</m:t>
                                 </m:r>
                               </m:e>
                               <m:sup>
                                 <m:r>
-                                  <a:rPr lang="en-US" altLang="zh-CN" i="1"/>
+                                  <a:rPr lang="en-US" altLang="zh-CN" i="1">
+                                    <a:latin typeface="Cambria Math" panose="02040503050406030204" pitchFamily="18" charset="0"/>
+                                  </a:rPr>
                                   <m:t>𝑇</m:t>
                                 </m:r>
                               </m:sup>
@@ -22677,40 +22712,56 @@
                             <m:sSup>
                               <m:sSupPr>
                                 <m:ctrlPr>
-                                  <a:rPr lang="zh-CN" altLang="zh-CN" i="1"/>
+                                  <a:rPr lang="zh-CN" altLang="zh-CN" i="1">
+                                    <a:latin typeface="Cambria Math" panose="02040503050406030204" pitchFamily="18" charset="0"/>
+                                  </a:rPr>
                                 </m:ctrlPr>
                               </m:sSupPr>
                               <m:e>
                                 <m:r>
-                                  <a:rPr lang="en-US" altLang="zh-CN" i="1"/>
+                                  <a:rPr lang="en-US" altLang="zh-CN" i="1">
+                                    <a:latin typeface="Cambria Math" panose="02040503050406030204" pitchFamily="18" charset="0"/>
+                                  </a:rPr>
                                   <m:t>∑</m:t>
                                 </m:r>
                               </m:e>
                               <m:sup>
                                 <m:r>
-                                  <a:rPr lang="en-US" altLang="zh-CN" i="1"/>
+                                  <a:rPr lang="en-US" altLang="zh-CN" i="1">
+                                    <a:latin typeface="Cambria Math" panose="02040503050406030204" pitchFamily="18" charset="0"/>
+                                  </a:rPr>
                                   <m:t>−1</m:t>
                                 </m:r>
                               </m:sup>
                             </m:sSup>
                             <m:r>
-                              <a:rPr lang="en-US" altLang="zh-CN" i="1"/>
+                              <a:rPr lang="en-US" altLang="zh-CN" i="1">
+                                <a:latin typeface="Cambria Math" panose="02040503050406030204" pitchFamily="18" charset="0"/>
+                              </a:rPr>
                               <m:t>(</m:t>
                             </m:r>
                             <m:r>
-                              <a:rPr lang="en-US" altLang="zh-CN" i="1"/>
+                              <a:rPr lang="en-US" altLang="zh-CN" i="1">
+                                <a:latin typeface="Cambria Math" panose="02040503050406030204" pitchFamily="18" charset="0"/>
+                              </a:rPr>
                               <m:t>𝑥</m:t>
                             </m:r>
                             <m:r>
-                              <a:rPr lang="en-US" altLang="zh-CN" i="1"/>
+                              <a:rPr lang="en-US" altLang="zh-CN" i="1">
+                                <a:latin typeface="Cambria Math" panose="02040503050406030204" pitchFamily="18" charset="0"/>
+                              </a:rPr>
                               <m:t>−</m:t>
                             </m:r>
                             <m:r>
-                              <a:rPr lang="en-US" altLang="zh-CN" i="1"/>
+                              <a:rPr lang="en-US" altLang="zh-CN" i="1">
+                                <a:latin typeface="Cambria Math" panose="02040503050406030204" pitchFamily="18" charset="0"/>
+                              </a:rPr>
                               <m:t>𝜇</m:t>
                             </m:r>
                             <m:r>
-                              <a:rPr lang="en-US" altLang="zh-CN" i="1"/>
+                              <a:rPr lang="en-US" altLang="zh-CN" i="1">
+                                <a:latin typeface="Cambria Math" panose="02040503050406030204" pitchFamily="18" charset="0"/>
+                              </a:rPr>
                               <m:t>)</m:t>
                             </m:r>
                           </m:e>
@@ -22718,32 +22769,44 @@
                       </m:e>
                     </m:func>
                     <m:r>
-                      <a:rPr lang="en-US" altLang="zh-CN" i="1"/>
+                      <a:rPr lang="en-US" altLang="zh-CN" i="1">
+                        <a:latin typeface="Cambria Math" panose="02040503050406030204" pitchFamily="18" charset="0"/>
+                      </a:rPr>
                       <m:t>,   </m:t>
                     </m:r>
                     <m:r>
-                      <a:rPr lang="en-US" altLang="zh-CN" i="1"/>
+                      <a:rPr lang="en-US" altLang="zh-CN" i="1">
+                        <a:latin typeface="Cambria Math" panose="02040503050406030204" pitchFamily="18" charset="0"/>
+                      </a:rPr>
                       <m:t>𝑥</m:t>
                     </m:r>
                     <m:r>
-                      <a:rPr lang="zh-CN" altLang="zh-CN" i="1"/>
+                      <a:rPr lang="zh-CN" altLang="zh-CN" i="1">
+                        <a:latin typeface="Cambria Math" panose="02040503050406030204" pitchFamily="18" charset="0"/>
+                      </a:rPr>
                       <m:t>∈</m:t>
                     </m:r>
                     <m:sSup>
                       <m:sSupPr>
                         <m:ctrlPr>
-                          <a:rPr lang="zh-CN" altLang="zh-CN" i="1"/>
+                          <a:rPr lang="zh-CN" altLang="zh-CN" i="1">
+                            <a:latin typeface="Cambria Math" panose="02040503050406030204" pitchFamily="18" charset="0"/>
+                          </a:rPr>
                         </m:ctrlPr>
                       </m:sSupPr>
                       <m:e>
                         <m:r>
-                          <a:rPr lang="en-US" altLang="zh-CN" i="1"/>
+                          <a:rPr lang="en-US" altLang="zh-CN" i="1">
+                            <a:latin typeface="Cambria Math" panose="02040503050406030204" pitchFamily="18" charset="0"/>
+                          </a:rPr>
                           <m:t>𝑅</m:t>
                         </m:r>
                       </m:e>
                       <m:sup>
                         <m:r>
-                          <a:rPr lang="en-US" altLang="zh-CN" i="1"/>
+                          <a:rPr lang="en-US" altLang="zh-CN" i="1">
+                            <a:latin typeface="Cambria Math" panose="02040503050406030204" pitchFamily="18" charset="0"/>
+                          </a:rPr>
                           <m:t>𝑑</m:t>
                         </m:r>
                       </m:sup>
@@ -22763,27 +22826,39 @@
                 <a14:m>
                   <m:oMath xmlns:m="http://schemas.openxmlformats.org/officeDocument/2006/math">
                     <m:r>
-                      <a:rPr lang="en-US" altLang="zh-CN" i="1"/>
+                      <a:rPr lang="en-US" altLang="zh-CN" i="1">
+                        <a:latin typeface="Cambria Math" panose="02040503050406030204" pitchFamily="18" charset="0"/>
+                      </a:rPr>
                       <m:t>𝜇</m:t>
                     </m:r>
                     <m:r>
-                      <a:rPr lang="en-US" altLang="zh-CN" i="1"/>
+                      <a:rPr lang="en-US" altLang="zh-CN" i="1">
+                        <a:latin typeface="Cambria Math" panose="02040503050406030204" pitchFamily="18" charset="0"/>
+                      </a:rPr>
                       <m:t>=</m:t>
                     </m:r>
                     <m:r>
-                      <a:rPr lang="en-US" altLang="zh-CN" i="1"/>
+                      <a:rPr lang="en-US" altLang="zh-CN" i="1">
+                        <a:latin typeface="Cambria Math" panose="02040503050406030204" pitchFamily="18" charset="0"/>
+                      </a:rPr>
                       <m:t>𝐸</m:t>
                     </m:r>
                     <m:r>
-                      <a:rPr lang="en-US" altLang="zh-CN" i="1"/>
+                      <a:rPr lang="en-US" altLang="zh-CN" i="1">
+                        <a:latin typeface="Cambria Math" panose="02040503050406030204" pitchFamily="18" charset="0"/>
+                      </a:rPr>
                       <m:t>[</m:t>
                     </m:r>
                     <m:r>
-                      <a:rPr lang="en-US" altLang="zh-CN" i="1"/>
+                      <a:rPr lang="en-US" altLang="zh-CN" i="1">
+                        <a:latin typeface="Cambria Math" panose="02040503050406030204" pitchFamily="18" charset="0"/>
+                      </a:rPr>
                       <m:t>𝑥</m:t>
                     </m:r>
                     <m:r>
-                      <a:rPr lang="en-US" altLang="zh-CN" i="1"/>
+                      <a:rPr lang="en-US" altLang="zh-CN" i="1">
+                        <a:latin typeface="Cambria Math" panose="02040503050406030204" pitchFamily="18" charset="0"/>
+                      </a:rPr>
                       <m:t>]</m:t>
                     </m:r>
                   </m:oMath>
@@ -22801,66 +22876,94 @@
                 <a14:m>
                   <m:oMath xmlns:m="http://schemas.openxmlformats.org/officeDocument/2006/math">
                     <m:r>
-                      <a:rPr lang="en-US" altLang="zh-CN" i="1"/>
+                      <a:rPr lang="en-US" altLang="zh-CN" i="1">
+                        <a:latin typeface="Cambria Math" panose="02040503050406030204" pitchFamily="18" charset="0"/>
+                      </a:rPr>
                       <m:t>∑=</m:t>
                     </m:r>
                     <m:r>
-                      <a:rPr lang="en-US" altLang="zh-CN" i="1"/>
+                      <a:rPr lang="en-US" altLang="zh-CN" i="1">
+                        <a:latin typeface="Cambria Math" panose="02040503050406030204" pitchFamily="18" charset="0"/>
+                      </a:rPr>
                       <m:t>𝐸</m:t>
                     </m:r>
                     <m:r>
-                      <a:rPr lang="en-US" altLang="zh-CN" i="1"/>
+                      <a:rPr lang="en-US" altLang="zh-CN" i="1">
+                        <a:latin typeface="Cambria Math" panose="02040503050406030204" pitchFamily="18" charset="0"/>
+                      </a:rPr>
                       <m:t>[(</m:t>
                     </m:r>
                     <m:r>
-                      <a:rPr lang="en-US" altLang="zh-CN" i="1"/>
+                      <a:rPr lang="en-US" altLang="zh-CN" i="1">
+                        <a:latin typeface="Cambria Math" panose="02040503050406030204" pitchFamily="18" charset="0"/>
+                      </a:rPr>
                       <m:t>𝑥</m:t>
                     </m:r>
                     <m:r>
-                      <a:rPr lang="en-US" altLang="zh-CN" i="1"/>
+                      <a:rPr lang="en-US" altLang="zh-CN" i="1">
+                        <a:latin typeface="Cambria Math" panose="02040503050406030204" pitchFamily="18" charset="0"/>
+                      </a:rPr>
                       <m:t>−</m:t>
                     </m:r>
                     <m:r>
-                      <a:rPr lang="en-US" altLang="zh-CN" i="1"/>
+                      <a:rPr lang="en-US" altLang="zh-CN" i="1">
+                        <a:latin typeface="Cambria Math" panose="02040503050406030204" pitchFamily="18" charset="0"/>
+                      </a:rPr>
                       <m:t>𝜇</m:t>
                     </m:r>
                     <m:r>
-                      <a:rPr lang="en-US" altLang="zh-CN" i="1"/>
+                      <a:rPr lang="en-US" altLang="zh-CN" i="1">
+                        <a:latin typeface="Cambria Math" panose="02040503050406030204" pitchFamily="18" charset="0"/>
+                      </a:rPr>
                       <m:t>)(</m:t>
                     </m:r>
                     <m:r>
-                      <a:rPr lang="en-US" altLang="zh-CN" i="1"/>
+                      <a:rPr lang="en-US" altLang="zh-CN" i="1">
+                        <a:latin typeface="Cambria Math" panose="02040503050406030204" pitchFamily="18" charset="0"/>
+                      </a:rPr>
                       <m:t>𝑥</m:t>
                     </m:r>
                     <m:r>
-                      <a:rPr lang="en-US" altLang="zh-CN" i="1"/>
+                      <a:rPr lang="en-US" altLang="zh-CN" i="1">
+                        <a:latin typeface="Cambria Math" panose="02040503050406030204" pitchFamily="18" charset="0"/>
+                      </a:rPr>
                       <m:t>−</m:t>
                     </m:r>
                     <m:r>
-                      <a:rPr lang="en-US" altLang="zh-CN" i="1"/>
+                      <a:rPr lang="en-US" altLang="zh-CN" i="1">
+                        <a:latin typeface="Cambria Math" panose="02040503050406030204" pitchFamily="18" charset="0"/>
+                      </a:rPr>
                       <m:t>𝜇</m:t>
                     </m:r>
                     <m:sSup>
                       <m:sSupPr>
                         <m:ctrlPr>
-                          <a:rPr lang="zh-CN" altLang="zh-CN" i="1"/>
+                          <a:rPr lang="zh-CN" altLang="zh-CN" i="1">
+                            <a:latin typeface="Cambria Math" panose="02040503050406030204" pitchFamily="18" charset="0"/>
+                          </a:rPr>
                         </m:ctrlPr>
                       </m:sSupPr>
                       <m:e>
                         <m:r>
-                          <a:rPr lang="en-US" altLang="zh-CN" i="1"/>
+                          <a:rPr lang="en-US" altLang="zh-CN" i="1">
+                            <a:latin typeface="Cambria Math" panose="02040503050406030204" pitchFamily="18" charset="0"/>
+                          </a:rPr>
                           <m:t>)</m:t>
                         </m:r>
                       </m:e>
                       <m:sup>
                         <m:r>
-                          <a:rPr lang="en-US" altLang="zh-CN" i="1"/>
+                          <a:rPr lang="en-US" altLang="zh-CN" i="1">
+                            <a:latin typeface="Cambria Math" panose="02040503050406030204" pitchFamily="18" charset="0"/>
+                          </a:rPr>
                           <m:t>𝑇</m:t>
                         </m:r>
                       </m:sup>
                     </m:sSup>
                     <m:r>
-                      <a:rPr lang="en-US" altLang="zh-CN" i="1"/>
+                      <a:rPr lang="en-US" altLang="zh-CN" i="1">
+                        <a:latin typeface="Cambria Math" panose="02040503050406030204" pitchFamily="18" charset="0"/>
+                      </a:rPr>
                       <m:t>]</m:t>
                     </m:r>
                   </m:oMath>
@@ -22872,15 +22975,21 @@
                 <a14:m>
                   <m:oMath xmlns:m="http://schemas.openxmlformats.org/officeDocument/2006/math">
                     <m:r>
-                      <a:rPr lang="en-US" altLang="zh-CN" i="1"/>
+                      <a:rPr lang="en-US" altLang="zh-CN" i="1">
+                        <a:latin typeface="Cambria Math" panose="02040503050406030204" pitchFamily="18" charset="0"/>
+                      </a:rPr>
                       <m:t>𝑑</m:t>
                     </m:r>
                     <m:r>
-                      <a:rPr lang="en-US" altLang="zh-CN" i="1"/>
+                      <a:rPr lang="en-US" altLang="zh-CN" i="1">
+                        <a:latin typeface="Cambria Math" panose="02040503050406030204" pitchFamily="18" charset="0"/>
+                      </a:rPr>
                       <m:t>×</m:t>
                     </m:r>
                     <m:r>
-                      <a:rPr lang="en-US" altLang="zh-CN" i="1"/>
+                      <a:rPr lang="en-US" altLang="zh-CN" i="1">
+                        <a:latin typeface="Cambria Math" panose="02040503050406030204" pitchFamily="18" charset="0"/>
+                      </a:rPr>
                       <m:t>𝑑</m:t>
                     </m:r>
                   </m:oMath>
@@ -22907,19 +23016,27 @@
                 <a14:m>
                   <m:oMath xmlns:m="http://schemas.openxmlformats.org/officeDocument/2006/math">
                     <m:r>
-                      <a:rPr lang="en-US" altLang="zh-CN" i="1"/>
+                      <a:rPr lang="en-US" altLang="zh-CN" i="1">
+                        <a:latin typeface="Cambria Math" panose="02040503050406030204" pitchFamily="18" charset="0"/>
+                      </a:rPr>
                       <m:t>𝑁</m:t>
                     </m:r>
                     <m:r>
-                      <a:rPr lang="en-US" altLang="zh-CN" i="1"/>
+                      <a:rPr lang="en-US" altLang="zh-CN" i="1">
+                        <a:latin typeface="Cambria Math" panose="02040503050406030204" pitchFamily="18" charset="0"/>
+                      </a:rPr>
                       <m:t>(</m:t>
                     </m:r>
                     <m:r>
-                      <a:rPr lang="en-US" altLang="zh-CN" i="1"/>
+                      <a:rPr lang="en-US" altLang="zh-CN" i="1">
+                        <a:latin typeface="Cambria Math" panose="02040503050406030204" pitchFamily="18" charset="0"/>
+                      </a:rPr>
                       <m:t>𝜇</m:t>
                     </m:r>
                     <m:r>
-                      <a:rPr lang="en-US" altLang="zh-CN" i="1"/>
+                      <a:rPr lang="en-US" altLang="zh-CN" i="1">
+                        <a:latin typeface="Cambria Math" panose="02040503050406030204" pitchFamily="18" charset="0"/>
+                      </a:rPr>
                       <m:t>,∑)</m:t>
                     </m:r>
                   </m:oMath>
@@ -22935,7 +23052,7 @@
             </p:txBody>
           </p:sp>
         </mc:Choice>
-        <mc:Fallback>
+        <mc:Fallback xmlns="">
           <p:sp>
             <p:nvSpPr>
               <p:cNvPr id="3" name="内容占位符 2">
@@ -23990,8 +24107,8 @@
           <a:chExt cx="0" cy="0"/>
         </a:xfrm>
       </p:grpSpPr>
-      <mc:AlternateContent xmlns:mc="http://schemas.openxmlformats.org/markup-compatibility/2006">
-        <mc:Choice xmlns:a14="http://schemas.microsoft.com/office/drawing/2010/main" Requires="a14">
+      <mc:AlternateContent xmlns:mc="http://schemas.openxmlformats.org/markup-compatibility/2006" xmlns:a14="http://schemas.microsoft.com/office/drawing/2010/main">
+        <mc:Choice Requires="a14">
           <p:sp>
             <p:nvSpPr>
               <p:cNvPr id="3" name="内容占位符 2">
@@ -24039,35 +24156,51 @@
                 <a14:m>
                   <m:oMath xmlns:m="http://schemas.openxmlformats.org/officeDocument/2006/math">
                     <m:r>
-                      <a:rPr lang="en-US" altLang="zh-CN" i="1"/>
+                      <a:rPr lang="en-US" altLang="zh-CN" i="1">
+                        <a:latin typeface="Cambria Math" panose="02040503050406030204" pitchFamily="18" charset="0"/>
+                      </a:rPr>
                       <m:t>𝑝</m:t>
                     </m:r>
                     <m:r>
-                      <a:rPr lang="en-US" altLang="zh-CN" i="1"/>
+                      <a:rPr lang="en-US" altLang="zh-CN" i="1">
+                        <a:latin typeface="Cambria Math" panose="02040503050406030204" pitchFamily="18" charset="0"/>
+                      </a:rPr>
                       <m:t>(</m:t>
                     </m:r>
                     <m:r>
-                      <a:rPr lang="en-US" altLang="zh-CN" i="1"/>
+                      <a:rPr lang="en-US" altLang="zh-CN" i="1">
+                        <a:latin typeface="Cambria Math" panose="02040503050406030204" pitchFamily="18" charset="0"/>
+                      </a:rPr>
                       <m:t>𝑥</m:t>
                     </m:r>
                     <m:r>
-                      <a:rPr lang="en-US" altLang="zh-CN" i="1"/>
+                      <a:rPr lang="en-US" altLang="zh-CN" i="1">
+                        <a:latin typeface="Cambria Math" panose="02040503050406030204" pitchFamily="18" charset="0"/>
+                      </a:rPr>
                       <m:t>)~</m:t>
                     </m:r>
                     <m:r>
-                      <a:rPr lang="en-US" altLang="zh-CN" i="1"/>
+                      <a:rPr lang="en-US" altLang="zh-CN" i="1">
+                        <a:latin typeface="Cambria Math" panose="02040503050406030204" pitchFamily="18" charset="0"/>
+                      </a:rPr>
                       <m:t>𝑁</m:t>
                     </m:r>
                     <m:r>
-                      <a:rPr lang="en-US" altLang="zh-CN" i="1"/>
+                      <a:rPr lang="en-US" altLang="zh-CN" i="1">
+                        <a:latin typeface="Cambria Math" panose="02040503050406030204" pitchFamily="18" charset="0"/>
+                      </a:rPr>
                       <m:t>(</m:t>
                     </m:r>
                     <m:r>
-                      <a:rPr lang="en-US" altLang="zh-CN" i="1"/>
+                      <a:rPr lang="en-US" altLang="zh-CN" i="1">
+                        <a:latin typeface="Cambria Math" panose="02040503050406030204" pitchFamily="18" charset="0"/>
+                      </a:rPr>
                       <m:t>𝜇</m:t>
                     </m:r>
                     <m:r>
-                      <a:rPr lang="en-US" altLang="zh-CN" i="1"/>
+                      <a:rPr lang="en-US" altLang="zh-CN" i="1">
+                        <a:latin typeface="Cambria Math" panose="02040503050406030204" pitchFamily="18" charset="0"/>
+                      </a:rPr>
                       <m:t>,∑)</m:t>
                     </m:r>
                   </m:oMath>
@@ -24083,27 +24216,39 @@
                 <a14:m>
                   <m:oMath xmlns:m="http://schemas.openxmlformats.org/officeDocument/2006/math">
                     <m:r>
-                      <a:rPr lang="en-US" altLang="zh-CN" i="1"/>
+                      <a:rPr lang="en-US" altLang="zh-CN" i="1">
+                        <a:latin typeface="Cambria Math" panose="02040503050406030204" pitchFamily="18" charset="0"/>
+                      </a:rPr>
                       <m:t>𝑑</m:t>
                     </m:r>
                     <m:r>
-                      <a:rPr lang="en-US" altLang="zh-CN" i="1"/>
+                      <a:rPr lang="en-US" altLang="zh-CN" i="1">
+                        <a:latin typeface="Cambria Math" panose="02040503050406030204" pitchFamily="18" charset="0"/>
+                      </a:rPr>
                       <m:t>+</m:t>
                     </m:r>
                     <m:r>
-                      <a:rPr lang="en-US" altLang="zh-CN" i="1"/>
+                      <a:rPr lang="en-US" altLang="zh-CN" i="1">
+                        <a:latin typeface="Cambria Math" panose="02040503050406030204" pitchFamily="18" charset="0"/>
+                      </a:rPr>
                       <m:t>𝑑</m:t>
                     </m:r>
                     <m:r>
-                      <a:rPr lang="en-US" altLang="zh-CN" i="1"/>
+                      <a:rPr lang="en-US" altLang="zh-CN" i="1">
+                        <a:latin typeface="Cambria Math" panose="02040503050406030204" pitchFamily="18" charset="0"/>
+                      </a:rPr>
                       <m:t>(</m:t>
                     </m:r>
                     <m:r>
-                      <a:rPr lang="en-US" altLang="zh-CN" i="1"/>
+                      <a:rPr lang="en-US" altLang="zh-CN" i="1">
+                        <a:latin typeface="Cambria Math" panose="02040503050406030204" pitchFamily="18" charset="0"/>
+                      </a:rPr>
                       <m:t>𝑑</m:t>
                     </m:r>
                     <m:r>
-                      <a:rPr lang="en-US" altLang="zh-CN" i="1"/>
+                      <a:rPr lang="en-US" altLang="zh-CN" i="1">
+                        <a:latin typeface="Cambria Math" panose="02040503050406030204" pitchFamily="18" charset="0"/>
+                      </a:rPr>
                       <m:t>+1)/2</m:t>
                     </m:r>
                   </m:oMath>
@@ -24133,36 +24278,50 @@
                 <a14:m>
                   <m:oMath xmlns:m="http://schemas.openxmlformats.org/officeDocument/2006/math">
                     <m:r>
-                      <a:rPr lang="en-US" altLang="zh-CN" i="1"/>
+                      <a:rPr lang="en-US" altLang="zh-CN" i="1">
+                        <a:latin typeface="Cambria Math" panose="02040503050406030204" pitchFamily="18" charset="0"/>
+                      </a:rPr>
                       <m:t>(</m:t>
                     </m:r>
                     <m:r>
-                      <a:rPr lang="en-US" altLang="zh-CN" i="1"/>
+                      <a:rPr lang="en-US" altLang="zh-CN" i="1">
+                        <a:latin typeface="Cambria Math" panose="02040503050406030204" pitchFamily="18" charset="0"/>
+                      </a:rPr>
                       <m:t>𝑥</m:t>
                     </m:r>
                     <m:r>
-                      <a:rPr lang="en-US" altLang="zh-CN" i="1"/>
+                      <a:rPr lang="en-US" altLang="zh-CN" i="1">
+                        <a:latin typeface="Cambria Math" panose="02040503050406030204" pitchFamily="18" charset="0"/>
+                      </a:rPr>
                       <m:t>−</m:t>
                     </m:r>
                     <m:r>
-                      <a:rPr lang="en-US" altLang="zh-CN" i="1"/>
+                      <a:rPr lang="en-US" altLang="zh-CN" i="1">
+                        <a:latin typeface="Cambria Math" panose="02040503050406030204" pitchFamily="18" charset="0"/>
+                      </a:rPr>
                       <m:t>𝜇</m:t>
                     </m:r>
                     <m:sSup>
                       <m:sSupPr>
                         <m:ctrlPr>
-                          <a:rPr lang="zh-CN" altLang="zh-CN" i="1"/>
+                          <a:rPr lang="zh-CN" altLang="zh-CN" i="1">
+                            <a:latin typeface="Cambria Math" panose="02040503050406030204" pitchFamily="18" charset="0"/>
+                          </a:rPr>
                         </m:ctrlPr>
                       </m:sSupPr>
                       <m:e>
                         <m:r>
-                          <a:rPr lang="en-US" altLang="zh-CN" i="1"/>
+                          <a:rPr lang="en-US" altLang="zh-CN" i="1">
+                            <a:latin typeface="Cambria Math" panose="02040503050406030204" pitchFamily="18" charset="0"/>
+                          </a:rPr>
                           <m:t>)</m:t>
                         </m:r>
                       </m:e>
                       <m:sup>
                         <m:r>
-                          <a:rPr lang="en-US" altLang="zh-CN" i="1"/>
+                          <a:rPr lang="en-US" altLang="zh-CN" i="1">
+                            <a:latin typeface="Cambria Math" panose="02040503050406030204" pitchFamily="18" charset="0"/>
+                          </a:rPr>
                           <m:t>𝑇</m:t>
                         </m:r>
                       </m:sup>
@@ -24170,61 +24329,85 @@
                     <m:sSup>
                       <m:sSupPr>
                         <m:ctrlPr>
-                          <a:rPr lang="zh-CN" altLang="zh-CN" i="1"/>
+                          <a:rPr lang="zh-CN" altLang="zh-CN" i="1">
+                            <a:latin typeface="Cambria Math" panose="02040503050406030204" pitchFamily="18" charset="0"/>
+                          </a:rPr>
                         </m:ctrlPr>
                       </m:sSupPr>
                       <m:e>
                         <m:r>
-                          <a:rPr lang="en-US" altLang="zh-CN" i="1"/>
+                          <a:rPr lang="en-US" altLang="zh-CN" i="1">
+                            <a:latin typeface="Cambria Math" panose="02040503050406030204" pitchFamily="18" charset="0"/>
+                          </a:rPr>
                           <m:t>∑</m:t>
                         </m:r>
                       </m:e>
                       <m:sup>
                         <m:r>
-                          <a:rPr lang="en-US" altLang="zh-CN" i="1"/>
+                          <a:rPr lang="en-US" altLang="zh-CN" i="1">
+                            <a:latin typeface="Cambria Math" panose="02040503050406030204" pitchFamily="18" charset="0"/>
+                          </a:rPr>
                           <m:t>−1</m:t>
                         </m:r>
                       </m:sup>
                     </m:sSup>
                     <m:r>
-                      <a:rPr lang="en-US" altLang="zh-CN" i="1"/>
+                      <a:rPr lang="en-US" altLang="zh-CN" i="1">
+                        <a:latin typeface="Cambria Math" panose="02040503050406030204" pitchFamily="18" charset="0"/>
+                      </a:rPr>
                       <m:t>(</m:t>
                     </m:r>
                     <m:r>
-                      <a:rPr lang="en-US" altLang="zh-CN" i="1"/>
+                      <a:rPr lang="en-US" altLang="zh-CN" i="1">
+                        <a:latin typeface="Cambria Math" panose="02040503050406030204" pitchFamily="18" charset="0"/>
+                      </a:rPr>
                       <m:t>𝑥</m:t>
                     </m:r>
                     <m:r>
-                      <a:rPr lang="en-US" altLang="zh-CN" i="1"/>
+                      <a:rPr lang="en-US" altLang="zh-CN" i="1">
+                        <a:latin typeface="Cambria Math" panose="02040503050406030204" pitchFamily="18" charset="0"/>
+                      </a:rPr>
                       <m:t>−</m:t>
                     </m:r>
                     <m:r>
-                      <a:rPr lang="en-US" altLang="zh-CN" i="1"/>
+                      <a:rPr lang="en-US" altLang="zh-CN" i="1">
+                        <a:latin typeface="Cambria Math" panose="02040503050406030204" pitchFamily="18" charset="0"/>
+                      </a:rPr>
                       <m:t>𝜇</m:t>
                     </m:r>
                     <m:r>
-                      <a:rPr lang="en-US" altLang="zh-CN" i="1"/>
+                      <a:rPr lang="en-US" altLang="zh-CN" i="1">
+                        <a:latin typeface="Cambria Math" panose="02040503050406030204" pitchFamily="18" charset="0"/>
+                      </a:rPr>
                       <m:t>)=</m:t>
                     </m:r>
                     <m:r>
-                      <a:rPr lang="en-US" altLang="zh-CN" i="1"/>
+                      <a:rPr lang="en-US" altLang="zh-CN" i="1">
+                        <a:latin typeface="Cambria Math" panose="02040503050406030204" pitchFamily="18" charset="0"/>
+                      </a:rPr>
                       <m:t>𝐶</m:t>
                     </m:r>
                     <m:limUpp>
                       <m:limUppPr>
                         <m:ctrlPr>
-                          <a:rPr lang="zh-CN" altLang="zh-CN" i="1"/>
+                          <a:rPr lang="zh-CN" altLang="zh-CN" i="1">
+                            <a:latin typeface="Cambria Math" panose="02040503050406030204" pitchFamily="18" charset="0"/>
+                          </a:rPr>
                         </m:ctrlPr>
                       </m:limUppPr>
                       <m:e>
                         <m:r>
-                          <a:rPr lang="en-US" altLang="zh-CN" i="1"/>
+                          <a:rPr lang="en-US" altLang="zh-CN" i="1">
+                            <a:latin typeface="Cambria Math" panose="02040503050406030204" pitchFamily="18" charset="0"/>
+                          </a:rPr>
                           <m:t>=</m:t>
                         </m:r>
                       </m:e>
                       <m:lim>
                         <m:r>
-                          <a:rPr lang="en-US" altLang="zh-CN" i="1"/>
+                          <a:rPr lang="en-US" altLang="zh-CN" i="1">
+                            <a:latin typeface="Cambria Math" panose="02040503050406030204" pitchFamily="18" charset="0"/>
+                          </a:rPr>
                           <m:t>𝛥</m:t>
                         </m:r>
                       </m:lim>
@@ -24232,18 +24415,24 @@
                     <m:sSup>
                       <m:sSupPr>
                         <m:ctrlPr>
-                          <a:rPr lang="zh-CN" altLang="zh-CN" i="1"/>
+                          <a:rPr lang="zh-CN" altLang="zh-CN" i="1">
+                            <a:latin typeface="Cambria Math" panose="02040503050406030204" pitchFamily="18" charset="0"/>
+                          </a:rPr>
                         </m:ctrlPr>
                       </m:sSupPr>
                       <m:e>
                         <m:r>
-                          <a:rPr lang="en-US" altLang="zh-CN" i="1"/>
+                          <a:rPr lang="en-US" altLang="zh-CN" i="1">
+                            <a:latin typeface="Cambria Math" panose="02040503050406030204" pitchFamily="18" charset="0"/>
+                          </a:rPr>
                           <m:t>𝛾</m:t>
                         </m:r>
                       </m:e>
                       <m:sup>
                         <m:r>
-                          <a:rPr lang="en-US" altLang="zh-CN" i="1"/>
+                          <a:rPr lang="en-US" altLang="zh-CN" i="1">
+                            <a:latin typeface="Cambria Math" panose="02040503050406030204" pitchFamily="18" charset="0"/>
+                          </a:rPr>
                           <m:t>2</m:t>
                         </m:r>
                       </m:sup>
@@ -24258,7 +24447,7 @@
             </p:txBody>
           </p:sp>
         </mc:Choice>
-        <mc:Fallback>
+        <mc:Fallback xmlns="">
           <p:sp>
             <p:nvSpPr>
               <p:cNvPr id="3" name="内容占位符 2">
@@ -26903,8 +27092,8 @@
           </a:p>
         </p:txBody>
       </p:sp>
-      <mc:AlternateContent xmlns:mc="http://schemas.openxmlformats.org/markup-compatibility/2006">
-        <mc:Choice xmlns:a14="http://schemas.microsoft.com/office/drawing/2010/main" Requires="a14">
+      <mc:AlternateContent xmlns:mc="http://schemas.openxmlformats.org/markup-compatibility/2006" xmlns:a14="http://schemas.microsoft.com/office/drawing/2010/main">
+        <mc:Choice Requires="a14">
           <p:sp>
             <p:nvSpPr>
               <p:cNvPr id="3" name="内容占位符 2">
@@ -26929,35 +27118,51 @@
                 <a14:m>
                   <m:oMath xmlns:m="http://schemas.openxmlformats.org/officeDocument/2006/math">
                     <m:r>
-                      <a:rPr lang="en-US" altLang="zh-CN" i="1"/>
+                      <a:rPr lang="en-US" altLang="zh-CN" i="1">
+                        <a:latin typeface="Cambria Math" panose="02040503050406030204" pitchFamily="18" charset="0"/>
+                      </a:rPr>
                       <m:t>𝑝</m:t>
                     </m:r>
                     <m:r>
-                      <a:rPr lang="en-US" altLang="zh-CN" i="1"/>
+                      <a:rPr lang="en-US" altLang="zh-CN" i="1">
+                        <a:latin typeface="Cambria Math" panose="02040503050406030204" pitchFamily="18" charset="0"/>
+                      </a:rPr>
                       <m:t>(</m:t>
                     </m:r>
                     <m:r>
-                      <a:rPr lang="en-US" altLang="zh-CN" i="1"/>
+                      <a:rPr lang="en-US" altLang="zh-CN" i="1">
+                        <a:latin typeface="Cambria Math" panose="02040503050406030204" pitchFamily="18" charset="0"/>
+                      </a:rPr>
                       <m:t>𝑥</m:t>
                     </m:r>
                     <m:r>
-                      <a:rPr lang="en-US" altLang="zh-CN" i="1"/>
+                      <a:rPr lang="en-US" altLang="zh-CN" i="1">
+                        <a:latin typeface="Cambria Math" panose="02040503050406030204" pitchFamily="18" charset="0"/>
+                      </a:rPr>
                       <m:t>)~</m:t>
                     </m:r>
                     <m:r>
-                      <a:rPr lang="en-US" altLang="zh-CN" i="1"/>
+                      <a:rPr lang="en-US" altLang="zh-CN" i="1">
+                        <a:latin typeface="Cambria Math" panose="02040503050406030204" pitchFamily="18" charset="0"/>
+                      </a:rPr>
                       <m:t>𝑁</m:t>
                     </m:r>
                     <m:r>
-                      <a:rPr lang="en-US" altLang="zh-CN" i="1"/>
+                      <a:rPr lang="en-US" altLang="zh-CN" i="1">
+                        <a:latin typeface="Cambria Math" panose="02040503050406030204" pitchFamily="18" charset="0"/>
+                      </a:rPr>
                       <m:t>(</m:t>
                     </m:r>
                     <m:r>
-                      <a:rPr lang="en-US" altLang="zh-CN" i="1"/>
+                      <a:rPr lang="en-US" altLang="zh-CN" i="1">
+                        <a:latin typeface="Cambria Math" panose="02040503050406030204" pitchFamily="18" charset="0"/>
+                      </a:rPr>
                       <m:t>𝜇</m:t>
                     </m:r>
                     <m:r>
-                      <a:rPr lang="en-US" altLang="zh-CN" i="1"/>
+                      <a:rPr lang="en-US" altLang="zh-CN" i="1">
+                        <a:latin typeface="Cambria Math" panose="02040503050406030204" pitchFamily="18" charset="0"/>
+                      </a:rPr>
                       <m:t>,∑)</m:t>
                     </m:r>
                   </m:oMath>
@@ -26969,34 +27174,46 @@
                 <a14:m>
                   <m:oMath xmlns:m="http://schemas.openxmlformats.org/officeDocument/2006/math">
                     <m:r>
-                      <a:rPr lang="en-US" altLang="zh-CN" i="1"/>
+                      <a:rPr lang="en-US" altLang="zh-CN" i="1">
+                        <a:latin typeface="Cambria Math" panose="02040503050406030204" pitchFamily="18" charset="0"/>
+                      </a:rPr>
                       <m:t>𝑦</m:t>
                     </m:r>
                     <m:r>
-                      <a:rPr lang="en-US" altLang="zh-CN" i="1"/>
+                      <a:rPr lang="en-US" altLang="zh-CN" i="1">
+                        <a:latin typeface="Cambria Math" panose="02040503050406030204" pitchFamily="18" charset="0"/>
+                      </a:rPr>
                       <m:t>=</m:t>
                     </m:r>
                     <m:sSup>
                       <m:sSupPr>
                         <m:ctrlPr>
-                          <a:rPr lang="zh-CN" altLang="zh-CN" i="1"/>
+                          <a:rPr lang="zh-CN" altLang="zh-CN" i="1">
+                            <a:latin typeface="Cambria Math" panose="02040503050406030204" pitchFamily="18" charset="0"/>
+                          </a:rPr>
                         </m:ctrlPr>
                       </m:sSupPr>
                       <m:e>
                         <m:r>
-                          <a:rPr lang="en-US" altLang="zh-CN" i="1"/>
+                          <a:rPr lang="en-US" altLang="zh-CN" i="1">
+                            <a:latin typeface="Cambria Math" panose="02040503050406030204" pitchFamily="18" charset="0"/>
+                          </a:rPr>
                           <m:t>𝑎</m:t>
                         </m:r>
                       </m:e>
                       <m:sup>
                         <m:r>
-                          <a:rPr lang="en-US" altLang="zh-CN" i="1"/>
+                          <a:rPr lang="en-US" altLang="zh-CN" i="1">
+                            <a:latin typeface="Cambria Math" panose="02040503050406030204" pitchFamily="18" charset="0"/>
+                          </a:rPr>
                           <m:t>𝑇</m:t>
                         </m:r>
                       </m:sup>
                     </m:sSup>
                     <m:r>
-                      <a:rPr lang="en-US" altLang="zh-CN" i="1"/>
+                      <a:rPr lang="en-US" altLang="zh-CN" i="1">
+                        <a:latin typeface="Cambria Math" panose="02040503050406030204" pitchFamily="18" charset="0"/>
+                      </a:rPr>
                       <m:t>𝑥</m:t>
                     </m:r>
                   </m:oMath>
@@ -27007,85 +27224,119 @@
                 <a14:m>
                   <m:oMath xmlns:m="http://schemas.openxmlformats.org/officeDocument/2006/math">
                     <m:r>
-                      <a:rPr lang="en-US" altLang="zh-CN" i="1"/>
+                      <a:rPr lang="en-US" altLang="zh-CN" i="1">
+                        <a:latin typeface="Cambria Math" panose="02040503050406030204" pitchFamily="18" charset="0"/>
+                      </a:rPr>
                       <m:t>𝑝</m:t>
                     </m:r>
                     <m:r>
-                      <a:rPr lang="en-US" altLang="zh-CN" i="1"/>
+                      <a:rPr lang="en-US" altLang="zh-CN" i="1">
+                        <a:latin typeface="Cambria Math" panose="02040503050406030204" pitchFamily="18" charset="0"/>
+                      </a:rPr>
                       <m:t>(</m:t>
                     </m:r>
                     <m:r>
-                      <a:rPr lang="en-US" altLang="zh-CN" i="1"/>
+                      <a:rPr lang="en-US" altLang="zh-CN" i="1">
+                        <a:latin typeface="Cambria Math" panose="02040503050406030204" pitchFamily="18" charset="0"/>
+                      </a:rPr>
                       <m:t>𝑦</m:t>
                     </m:r>
                     <m:r>
-                      <a:rPr lang="en-US" altLang="zh-CN" i="1"/>
+                      <a:rPr lang="en-US" altLang="zh-CN" i="1">
+                        <a:latin typeface="Cambria Math" panose="02040503050406030204" pitchFamily="18" charset="0"/>
+                      </a:rPr>
                       <m:t>)~</m:t>
                     </m:r>
                     <m:r>
-                      <a:rPr lang="en-US" altLang="zh-CN" i="1"/>
+                      <a:rPr lang="en-US" altLang="zh-CN" i="1">
+                        <a:latin typeface="Cambria Math" panose="02040503050406030204" pitchFamily="18" charset="0"/>
+                      </a:rPr>
                       <m:t>𝑁</m:t>
                     </m:r>
                     <m:r>
-                      <a:rPr lang="en-US" altLang="zh-CN" i="1"/>
+                      <a:rPr lang="en-US" altLang="zh-CN" i="1">
+                        <a:latin typeface="Cambria Math" panose="02040503050406030204" pitchFamily="18" charset="0"/>
+                      </a:rPr>
                       <m:t>(</m:t>
                     </m:r>
                     <m:sSup>
                       <m:sSupPr>
                         <m:ctrlPr>
-                          <a:rPr lang="zh-CN" altLang="zh-CN" i="1"/>
+                          <a:rPr lang="zh-CN" altLang="zh-CN" i="1">
+                            <a:latin typeface="Cambria Math" panose="02040503050406030204" pitchFamily="18" charset="0"/>
+                          </a:rPr>
                         </m:ctrlPr>
                       </m:sSupPr>
                       <m:e>
                         <m:r>
-                          <a:rPr lang="en-US" altLang="zh-CN" i="1"/>
+                          <a:rPr lang="en-US" altLang="zh-CN" i="1">
+                            <a:latin typeface="Cambria Math" panose="02040503050406030204" pitchFamily="18" charset="0"/>
+                          </a:rPr>
                           <m:t>𝑎</m:t>
                         </m:r>
                       </m:e>
                       <m:sup>
                         <m:r>
-                          <a:rPr lang="en-US" altLang="zh-CN" i="1"/>
+                          <a:rPr lang="en-US" altLang="zh-CN" i="1">
+                            <a:latin typeface="Cambria Math" panose="02040503050406030204" pitchFamily="18" charset="0"/>
+                          </a:rPr>
                           <m:t>𝑇</m:t>
                         </m:r>
                       </m:sup>
                     </m:sSup>
                     <m:r>
-                      <a:rPr lang="en-US" altLang="zh-CN" i="1"/>
+                      <a:rPr lang="en-US" altLang="zh-CN" i="1">
+                        <a:latin typeface="Cambria Math" panose="02040503050406030204" pitchFamily="18" charset="0"/>
+                      </a:rPr>
                       <m:t>𝜇</m:t>
                     </m:r>
                     <m:r>
-                      <a:rPr lang="en-US" altLang="zh-CN" i="1"/>
+                      <a:rPr lang="en-US" altLang="zh-CN" i="1">
+                        <a:latin typeface="Cambria Math" panose="02040503050406030204" pitchFamily="18" charset="0"/>
+                      </a:rPr>
                       <m:t>,</m:t>
                     </m:r>
                     <m:sSup>
                       <m:sSupPr>
                         <m:ctrlPr>
-                          <a:rPr lang="zh-CN" altLang="zh-CN" i="1"/>
+                          <a:rPr lang="zh-CN" altLang="zh-CN" i="1">
+                            <a:latin typeface="Cambria Math" panose="02040503050406030204" pitchFamily="18" charset="0"/>
+                          </a:rPr>
                         </m:ctrlPr>
                       </m:sSupPr>
                       <m:e>
                         <m:r>
-                          <a:rPr lang="en-US" altLang="zh-CN" i="1"/>
+                          <a:rPr lang="en-US" altLang="zh-CN" i="1">
+                            <a:latin typeface="Cambria Math" panose="02040503050406030204" pitchFamily="18" charset="0"/>
+                          </a:rPr>
                           <m:t>𝑎</m:t>
                         </m:r>
                       </m:e>
                       <m:sup>
                         <m:r>
-                          <a:rPr lang="en-US" altLang="zh-CN" i="1"/>
+                          <a:rPr lang="en-US" altLang="zh-CN" i="1">
+                            <a:latin typeface="Cambria Math" panose="02040503050406030204" pitchFamily="18" charset="0"/>
+                          </a:rPr>
                           <m:t>𝑇</m:t>
                         </m:r>
                       </m:sup>
                     </m:sSup>
                     <m:r>
-                      <a:rPr lang="en-US" altLang="zh-CN" i="1"/>
+                      <a:rPr lang="en-US" altLang="zh-CN" i="1">
+                        <a:latin typeface="Cambria Math" panose="02040503050406030204" pitchFamily="18" charset="0"/>
+                      </a:rPr>
                       <m:t>∑</m:t>
                     </m:r>
                     <m:r>
-                      <a:rPr lang="en-US" altLang="zh-CN" i="1"/>
+                      <a:rPr lang="en-US" altLang="zh-CN" i="1">
+                        <a:latin typeface="Cambria Math" panose="02040503050406030204" pitchFamily="18" charset="0"/>
+                      </a:rPr>
                       <m:t>𝑎</m:t>
                     </m:r>
                     <m:r>
-                      <a:rPr lang="en-US" altLang="zh-CN" i="1"/>
+                      <a:rPr lang="en-US" altLang="zh-CN" i="1">
+                        <a:latin typeface="Cambria Math" panose="02040503050406030204" pitchFamily="18" charset="0"/>
+                      </a:rPr>
                       <m:t>)</m:t>
                     </m:r>
                   </m:oMath>
@@ -27098,7 +27349,7 @@
             </p:txBody>
           </p:sp>
         </mc:Choice>
-        <mc:Fallback>
+        <mc:Fallback xmlns="">
           <p:sp>
             <p:nvSpPr>
               <p:cNvPr id="3" name="内容占位符 2">
@@ -27201,8 +27452,8 @@
           </a:p>
         </p:txBody>
       </p:sp>
-      <mc:AlternateContent xmlns:mc="http://schemas.openxmlformats.org/markup-compatibility/2006">
-        <mc:Choice xmlns:a14="http://schemas.microsoft.com/office/drawing/2010/main" Requires="a14">
+      <mc:AlternateContent xmlns:mc="http://schemas.openxmlformats.org/markup-compatibility/2006" xmlns:a14="http://schemas.microsoft.com/office/drawing/2010/main">
+        <mc:Choice Requires="a14">
           <p:sp>
             <p:nvSpPr>
               <p:cNvPr id="3" name="内容占位符 2">
@@ -27229,107 +27480,147 @@
                 <a14:m>
                   <m:oMath xmlns:m="http://schemas.openxmlformats.org/officeDocument/2006/math">
                     <m:r>
-                      <a:rPr lang="en-US" altLang="zh-CN" i="1"/>
+                      <a:rPr lang="en-US" altLang="zh-CN" i="1">
+                        <a:latin typeface="Cambria Math" panose="02040503050406030204" pitchFamily="18" charset="0"/>
+                      </a:rPr>
                       <m:t>𝑝</m:t>
                     </m:r>
                     <m:r>
-                      <a:rPr lang="en-US" altLang="zh-CN" i="1"/>
+                      <a:rPr lang="en-US" altLang="zh-CN" i="1">
+                        <a:latin typeface="Cambria Math" panose="02040503050406030204" pitchFamily="18" charset="0"/>
+                      </a:rPr>
                       <m:t>(</m:t>
                     </m:r>
                     <m:r>
-                      <a:rPr lang="en-US" altLang="zh-CN" i="1"/>
+                      <a:rPr lang="en-US" altLang="zh-CN" i="1">
+                        <a:latin typeface="Cambria Math" panose="02040503050406030204" pitchFamily="18" charset="0"/>
+                      </a:rPr>
                       <m:t>𝑥</m:t>
                     </m:r>
                     <m:r>
-                      <a:rPr lang="en-US" altLang="zh-CN" i="1"/>
+                      <a:rPr lang="en-US" altLang="zh-CN" i="1">
+                        <a:latin typeface="Cambria Math" panose="02040503050406030204" pitchFamily="18" charset="0"/>
+                      </a:rPr>
                       <m:t>|</m:t>
                     </m:r>
                     <m:sSub>
                       <m:sSubPr>
                         <m:ctrlPr>
-                          <a:rPr lang="zh-CN" altLang="zh-CN" i="1"/>
+                          <a:rPr lang="zh-CN" altLang="zh-CN" i="1">
+                            <a:latin typeface="Cambria Math" panose="02040503050406030204" pitchFamily="18" charset="0"/>
+                          </a:rPr>
                         </m:ctrlPr>
                       </m:sSubPr>
                       <m:e>
                         <m:r>
-                          <a:rPr lang="en-US" altLang="zh-CN" i="1"/>
+                          <a:rPr lang="en-US" altLang="zh-CN" i="1">
+                            <a:latin typeface="Cambria Math" panose="02040503050406030204" pitchFamily="18" charset="0"/>
+                          </a:rPr>
                           <m:t>𝜔</m:t>
                         </m:r>
                       </m:e>
                       <m:sub>
                         <m:r>
-                          <a:rPr lang="en-US" altLang="zh-CN" i="1"/>
+                          <a:rPr lang="en-US" altLang="zh-CN" i="1">
+                            <a:latin typeface="Cambria Math" panose="02040503050406030204" pitchFamily="18" charset="0"/>
+                          </a:rPr>
                           <m:t>𝐼</m:t>
                         </m:r>
                       </m:sub>
                     </m:sSub>
                     <m:r>
-                      <a:rPr lang="en-US" altLang="zh-CN" i="1"/>
+                      <a:rPr lang="en-US" altLang="zh-CN" i="1">
+                        <a:latin typeface="Cambria Math" panose="02040503050406030204" pitchFamily="18" charset="0"/>
+                      </a:rPr>
                       <m:t>)=</m:t>
                     </m:r>
                     <m:f>
                       <m:fPr>
                         <m:ctrlPr>
-                          <a:rPr lang="zh-CN" altLang="zh-CN" i="1"/>
+                          <a:rPr lang="zh-CN" altLang="zh-CN" i="1">
+                            <a:latin typeface="Cambria Math" panose="02040503050406030204" pitchFamily="18" charset="0"/>
+                          </a:rPr>
                         </m:ctrlPr>
                       </m:fPr>
                       <m:num>
                         <m:r>
-                          <a:rPr lang="en-US" altLang="zh-CN" i="1"/>
+                          <a:rPr lang="en-US" altLang="zh-CN" i="1">
+                            <a:latin typeface="Cambria Math" panose="02040503050406030204" pitchFamily="18" charset="0"/>
+                          </a:rPr>
                           <m:t>1</m:t>
                         </m:r>
                       </m:num>
                       <m:den>
                         <m:r>
-                          <a:rPr lang="en-US" altLang="zh-CN" i="1"/>
+                          <a:rPr lang="en-US" altLang="zh-CN" i="1">
+                            <a:latin typeface="Cambria Math" panose="02040503050406030204" pitchFamily="18" charset="0"/>
+                          </a:rPr>
                           <m:t>(2</m:t>
                         </m:r>
                         <m:r>
-                          <a:rPr lang="en-US" altLang="zh-CN" i="1"/>
+                          <a:rPr lang="en-US" altLang="zh-CN" i="1">
+                            <a:latin typeface="Cambria Math" panose="02040503050406030204" pitchFamily="18" charset="0"/>
+                          </a:rPr>
                           <m:t>𝜋</m:t>
                         </m:r>
                         <m:sSup>
                           <m:sSupPr>
                             <m:ctrlPr>
-                              <a:rPr lang="zh-CN" altLang="zh-CN" i="1"/>
+                              <a:rPr lang="zh-CN" altLang="zh-CN" i="1">
+                                <a:latin typeface="Cambria Math" panose="02040503050406030204" pitchFamily="18" charset="0"/>
+                              </a:rPr>
                             </m:ctrlPr>
                           </m:sSupPr>
                           <m:e>
                             <m:r>
-                              <a:rPr lang="en-US" altLang="zh-CN" i="1"/>
+                              <a:rPr lang="en-US" altLang="zh-CN" i="1">
+                                <a:latin typeface="Cambria Math" panose="02040503050406030204" pitchFamily="18" charset="0"/>
+                              </a:rPr>
                               <m:t>)</m:t>
                             </m:r>
                           </m:e>
                           <m:sup>
                             <m:r>
-                              <a:rPr lang="en-US" altLang="zh-CN" i="1"/>
+                              <a:rPr lang="en-US" altLang="zh-CN" i="1">
+                                <a:latin typeface="Cambria Math" panose="02040503050406030204" pitchFamily="18" charset="0"/>
+                              </a:rPr>
                               <m:t>𝑑</m:t>
                             </m:r>
                             <m:r>
-                              <a:rPr lang="en-US" altLang="zh-CN" i="1"/>
+                              <a:rPr lang="en-US" altLang="zh-CN" i="1">
+                                <a:latin typeface="Cambria Math" panose="02040503050406030204" pitchFamily="18" charset="0"/>
+                              </a:rPr>
                               <m:t>/2</m:t>
                             </m:r>
                           </m:sup>
                         </m:sSup>
                         <m:r>
-                          <a:rPr lang="en-US" altLang="zh-CN" i="1"/>
+                          <a:rPr lang="en-US" altLang="zh-CN" i="1">
+                            <a:latin typeface="Cambria Math" panose="02040503050406030204" pitchFamily="18" charset="0"/>
+                          </a:rPr>
                           <m:t>|</m:t>
                         </m:r>
                         <m:sSub>
                           <m:sSubPr>
                             <m:ctrlPr>
-                              <a:rPr lang="zh-CN" altLang="zh-CN" i="1"/>
+                              <a:rPr lang="zh-CN" altLang="zh-CN" i="1">
+                                <a:latin typeface="Cambria Math" panose="02040503050406030204" pitchFamily="18" charset="0"/>
+                              </a:rPr>
                             </m:ctrlPr>
                           </m:sSubPr>
                           <m:e>
                             <m:r>
-                              <a:rPr lang="en-US" altLang="zh-CN" i="1"/>
+                              <a:rPr lang="en-US" altLang="zh-CN" i="1">
+                                <a:latin typeface="Cambria Math" panose="02040503050406030204" pitchFamily="18" charset="0"/>
+                              </a:rPr>
                               <m:t>∑</m:t>
                             </m:r>
                           </m:e>
                           <m:sub>
                             <m:r>
-                              <a:rPr lang="en-US" altLang="zh-CN" i="1"/>
+                              <a:rPr lang="en-US" altLang="zh-CN" i="1">
+                                <a:latin typeface="Cambria Math" panose="02040503050406030204" pitchFamily="18" charset="0"/>
+                              </a:rPr>
                               <m:t>𝑖</m:t>
                             </m:r>
                           </m:sub>
@@ -27337,18 +27628,24 @@
                         <m:sSup>
                           <m:sSupPr>
                             <m:ctrlPr>
-                              <a:rPr lang="zh-CN" altLang="zh-CN" i="1"/>
+                              <a:rPr lang="zh-CN" altLang="zh-CN" i="1">
+                                <a:latin typeface="Cambria Math" panose="02040503050406030204" pitchFamily="18" charset="0"/>
+                              </a:rPr>
                             </m:ctrlPr>
                           </m:sSupPr>
                           <m:e>
                             <m:r>
-                              <a:rPr lang="en-US" altLang="zh-CN" i="1"/>
+                              <a:rPr lang="en-US" altLang="zh-CN" i="1">
+                                <a:latin typeface="Cambria Math" panose="02040503050406030204" pitchFamily="18" charset="0"/>
+                              </a:rPr>
                               <m:t>|</m:t>
                             </m:r>
                           </m:e>
                           <m:sup>
                             <m:r>
-                              <a:rPr lang="en-US" altLang="zh-CN" i="1"/>
+                              <a:rPr lang="en-US" altLang="zh-CN" i="1">
+                                <a:latin typeface="Cambria Math" panose="02040503050406030204" pitchFamily="18" charset="0"/>
+                              </a:rPr>
                               <m:t>1/2</m:t>
                             </m:r>
                           </m:sup>
@@ -27358,12 +27655,16 @@
                     <m:func>
                       <m:funcPr>
                         <m:ctrlPr>
-                          <a:rPr lang="zh-CN" altLang="zh-CN" i="1"/>
+                          <a:rPr lang="zh-CN" altLang="zh-CN" i="1">
+                            <a:latin typeface="Cambria Math" panose="02040503050406030204" pitchFamily="18" charset="0"/>
+                          </a:rPr>
                         </m:ctrlPr>
                       </m:funcPr>
                       <m:fName>
                         <m:r>
-                          <a:rPr lang="en-US" altLang="zh-CN" i="1"/>
+                          <a:rPr lang="en-US" altLang="zh-CN" i="1">
+                            <a:latin typeface="Cambria Math" panose="02040503050406030204" pitchFamily="18" charset="0"/>
+                          </a:rPr>
                           <m:t>𝑒𝑥𝑝</m:t>
                         </m:r>
                       </m:fName>
@@ -27373,60 +27674,82 @@
                             <m:begChr m:val="["/>
                             <m:endChr m:val="]"/>
                             <m:ctrlPr>
-                              <a:rPr lang="zh-CN" altLang="zh-CN" i="1"/>
+                              <a:rPr lang="zh-CN" altLang="zh-CN" i="1">
+                                <a:latin typeface="Cambria Math" panose="02040503050406030204" pitchFamily="18" charset="0"/>
+                              </a:rPr>
                             </m:ctrlPr>
                           </m:dPr>
                           <m:e>
                             <m:r>
-                              <a:rPr lang="en-US" altLang="zh-CN" i="1"/>
+                              <a:rPr lang="en-US" altLang="zh-CN" i="1">
+                                <a:latin typeface="Cambria Math" panose="02040503050406030204" pitchFamily="18" charset="0"/>
+                              </a:rPr>
                               <m:t>−</m:t>
                             </m:r>
                             <m:f>
                               <m:fPr>
                                 <m:ctrlPr>
-                                  <a:rPr lang="zh-CN" altLang="zh-CN" i="1"/>
+                                  <a:rPr lang="zh-CN" altLang="zh-CN" i="1">
+                                    <a:latin typeface="Cambria Math" panose="02040503050406030204" pitchFamily="18" charset="0"/>
+                                  </a:rPr>
                                 </m:ctrlPr>
                               </m:fPr>
                               <m:num>
                                 <m:r>
-                                  <a:rPr lang="en-US" altLang="zh-CN" i="1"/>
+                                  <a:rPr lang="en-US" altLang="zh-CN" i="1">
+                                    <a:latin typeface="Cambria Math" panose="02040503050406030204" pitchFamily="18" charset="0"/>
+                                  </a:rPr>
                                   <m:t>1</m:t>
                                 </m:r>
                               </m:num>
                               <m:den>
                                 <m:r>
-                                  <a:rPr lang="en-US" altLang="zh-CN" i="1"/>
+                                  <a:rPr lang="en-US" altLang="zh-CN" i="1">
+                                    <a:latin typeface="Cambria Math" panose="02040503050406030204" pitchFamily="18" charset="0"/>
+                                  </a:rPr>
                                   <m:t>2</m:t>
                                 </m:r>
                               </m:den>
                             </m:f>
                             <m:r>
-                              <a:rPr lang="en-US" altLang="zh-CN" i="1"/>
+                              <a:rPr lang="en-US" altLang="zh-CN" i="1">
+                                <a:latin typeface="Cambria Math" panose="02040503050406030204" pitchFamily="18" charset="0"/>
+                              </a:rPr>
                               <m:t>(</m:t>
                             </m:r>
                             <m:r>
-                              <a:rPr lang="en-US" altLang="zh-CN" i="1"/>
+                              <a:rPr lang="en-US" altLang="zh-CN" i="1">
+                                <a:latin typeface="Cambria Math" panose="02040503050406030204" pitchFamily="18" charset="0"/>
+                              </a:rPr>
                               <m:t>𝑥</m:t>
                             </m:r>
                             <m:r>
-                              <a:rPr lang="en-US" altLang="zh-CN" i="1"/>
+                              <a:rPr lang="en-US" altLang="zh-CN" i="1">
+                                <a:latin typeface="Cambria Math" panose="02040503050406030204" pitchFamily="18" charset="0"/>
+                              </a:rPr>
                               <m:t>−</m:t>
                             </m:r>
                             <m:sSub>
                               <m:sSubPr>
                                 <m:ctrlPr>
-                                  <a:rPr lang="zh-CN" altLang="zh-CN" i="1"/>
+                                  <a:rPr lang="zh-CN" altLang="zh-CN" i="1">
+                                    <a:latin typeface="Cambria Math" panose="02040503050406030204" pitchFamily="18" charset="0"/>
+                                  </a:rPr>
                                 </m:ctrlPr>
                               </m:sSubPr>
                               <m:e>
                                 <m:r>
-                                  <a:rPr lang="en-US" altLang="zh-CN" i="1"/>
+                                  <a:rPr lang="en-US" altLang="zh-CN" i="1">
+                                    <a:latin typeface="Cambria Math" panose="02040503050406030204" pitchFamily="18" charset="0"/>
+                                  </a:rPr>
                                   <m:t>𝜇</m:t>
                                 </m:r>
                               </m:e>
                               <m:sub>
                                 <m:r>
-                                  <a:rPr lang="en-US" altLang="zh-CN" i="1"/>
+                                  <a:rPr lang="en-US" altLang="zh-CN" i="1">
+                                    <a:latin typeface="Cambria Math" panose="02040503050406030204" pitchFamily="18" charset="0"/>
+                                  </a:rPr>
                                   <m:t>𝑖</m:t>
                                 </m:r>
                               </m:sub>
@@ -27434,18 +27757,24 @@
                             <m:sSup>
                               <m:sSupPr>
                                 <m:ctrlPr>
-                                  <a:rPr lang="zh-CN" altLang="zh-CN" i="1"/>
+                                  <a:rPr lang="zh-CN" altLang="zh-CN" i="1">
+                                    <a:latin typeface="Cambria Math" panose="02040503050406030204" pitchFamily="18" charset="0"/>
+                                  </a:rPr>
                                 </m:ctrlPr>
                               </m:sSupPr>
                               <m:e>
                                 <m:r>
-                                  <a:rPr lang="en-US" altLang="zh-CN" i="1"/>
+                                  <a:rPr lang="en-US" altLang="zh-CN" i="1">
+                                    <a:latin typeface="Cambria Math" panose="02040503050406030204" pitchFamily="18" charset="0"/>
+                                  </a:rPr>
                                   <m:t>)</m:t>
                                 </m:r>
                               </m:e>
                               <m:sup>
                                 <m:r>
-                                  <a:rPr lang="en-US" altLang="zh-CN" i="1"/>
+                                  <a:rPr lang="en-US" altLang="zh-CN" i="1">
+                                    <a:latin typeface="Cambria Math" panose="02040503050406030204" pitchFamily="18" charset="0"/>
+                                  </a:rPr>
                                   <m:t>𝑇</m:t>
                                 </m:r>
                               </m:sup>
@@ -27453,61 +27782,83 @@
                             <m:sSubSup>
                               <m:sSubSupPr>
                                 <m:ctrlPr>
-                                  <a:rPr lang="zh-CN" altLang="zh-CN" i="1"/>
+                                  <a:rPr lang="zh-CN" altLang="zh-CN" i="1">
+                                    <a:latin typeface="Cambria Math" panose="02040503050406030204" pitchFamily="18" charset="0"/>
+                                  </a:rPr>
                                 </m:ctrlPr>
                               </m:sSubSupPr>
                               <m:e>
                                 <m:r>
-                                  <a:rPr lang="en-US" altLang="zh-CN" i="1"/>
+                                  <a:rPr lang="en-US" altLang="zh-CN" i="1">
+                                    <a:latin typeface="Cambria Math" panose="02040503050406030204" pitchFamily="18" charset="0"/>
+                                  </a:rPr>
                                   <m:t>∑</m:t>
                                 </m:r>
                               </m:e>
                               <m:sub>
                                 <m:r>
-                                  <a:rPr lang="en-US" altLang="zh-CN" i="1"/>
+                                  <a:rPr lang="en-US" altLang="zh-CN" i="1">
+                                    <a:latin typeface="Cambria Math" panose="02040503050406030204" pitchFamily="18" charset="0"/>
+                                  </a:rPr>
                                   <m:t>𝑖</m:t>
                                 </m:r>
                               </m:sub>
                               <m:sup>
                                 <m:r>
-                                  <a:rPr lang="en-US" altLang="zh-CN" i="1"/>
+                                  <a:rPr lang="en-US" altLang="zh-CN" i="1">
+                                    <a:latin typeface="Cambria Math" panose="02040503050406030204" pitchFamily="18" charset="0"/>
+                                  </a:rPr>
                                   <m:t>−1</m:t>
                                 </m:r>
                               </m:sup>
                             </m:sSubSup>
                             <m:r>
-                              <a:rPr lang="en-US" altLang="zh-CN" i="1"/>
+                              <a:rPr lang="en-US" altLang="zh-CN" i="1">
+                                <a:latin typeface="Cambria Math" panose="02040503050406030204" pitchFamily="18" charset="0"/>
+                              </a:rPr>
                               <m:t>(</m:t>
                             </m:r>
                             <m:r>
-                              <a:rPr lang="en-US" altLang="zh-CN" i="1"/>
+                              <a:rPr lang="en-US" altLang="zh-CN" i="1">
+                                <a:latin typeface="Cambria Math" panose="02040503050406030204" pitchFamily="18" charset="0"/>
+                              </a:rPr>
                               <m:t>𝑥</m:t>
                             </m:r>
                             <m:r>
-                              <a:rPr lang="en-US" altLang="zh-CN" i="1"/>
+                              <a:rPr lang="en-US" altLang="zh-CN" i="1">
+                                <a:latin typeface="Cambria Math" panose="02040503050406030204" pitchFamily="18" charset="0"/>
+                              </a:rPr>
                               <m:t>−</m:t>
                             </m:r>
                             <m:sSub>
                               <m:sSubPr>
                                 <m:ctrlPr>
-                                  <a:rPr lang="zh-CN" altLang="zh-CN" i="1"/>
+                                  <a:rPr lang="zh-CN" altLang="zh-CN" i="1">
+                                    <a:latin typeface="Cambria Math" panose="02040503050406030204" pitchFamily="18" charset="0"/>
+                                  </a:rPr>
                                 </m:ctrlPr>
                               </m:sSubPr>
                               <m:e>
                                 <m:r>
-                                  <a:rPr lang="en-US" altLang="zh-CN" i="1"/>
+                                  <a:rPr lang="en-US" altLang="zh-CN" i="1">
+                                    <a:latin typeface="Cambria Math" panose="02040503050406030204" pitchFamily="18" charset="0"/>
+                                  </a:rPr>
                                   <m:t>𝜇</m:t>
                                 </m:r>
                               </m:e>
                               <m:sub>
                                 <m:r>
-                                  <a:rPr lang="en-US" altLang="zh-CN" i="1"/>
+                                  <a:rPr lang="en-US" altLang="zh-CN" i="1">
+                                    <a:latin typeface="Cambria Math" panose="02040503050406030204" pitchFamily="18" charset="0"/>
+                                  </a:rPr>
                                   <m:t>𝑖</m:t>
                                 </m:r>
                               </m:sub>
                             </m:sSub>
                             <m:r>
-                              <a:rPr lang="en-US" altLang="zh-CN" i="1"/>
+                              <a:rPr lang="en-US" altLang="zh-CN" i="1">
+                                <a:latin typeface="Cambria Math" panose="02040503050406030204" pitchFamily="18" charset="0"/>
+                              </a:rPr>
                               <m:t>)</m:t>
                             </m:r>
                           </m:e>
@@ -27530,221 +27881,303 @@
                     <m:sSub>
                       <m:sSubPr>
                         <m:ctrlPr>
-                          <a:rPr lang="zh-CN" altLang="zh-CN" i="1"/>
+                          <a:rPr lang="zh-CN" altLang="zh-CN" i="1">
+                            <a:latin typeface="Cambria Math" panose="02040503050406030204" pitchFamily="18" charset="0"/>
+                          </a:rPr>
                         </m:ctrlPr>
                       </m:sSubPr>
                       <m:e>
                         <m:r>
-                          <a:rPr lang="en-US" altLang="zh-CN" i="1"/>
+                          <a:rPr lang="en-US" altLang="zh-CN" i="1">
+                            <a:latin typeface="Cambria Math" panose="02040503050406030204" pitchFamily="18" charset="0"/>
+                          </a:rPr>
                           <m:t>𝑔</m:t>
                         </m:r>
                       </m:e>
                       <m:sub>
                         <m:r>
-                          <a:rPr lang="en-US" altLang="zh-CN" i="1"/>
+                          <a:rPr lang="en-US" altLang="zh-CN" i="1">
+                            <a:latin typeface="Cambria Math" panose="02040503050406030204" pitchFamily="18" charset="0"/>
+                          </a:rPr>
                           <m:t>𝑖</m:t>
                         </m:r>
                       </m:sub>
                     </m:sSub>
                     <m:r>
-                      <a:rPr lang="en-US" altLang="zh-CN" i="1"/>
+                      <a:rPr lang="en-US" altLang="zh-CN" i="1">
+                        <a:latin typeface="Cambria Math" panose="02040503050406030204" pitchFamily="18" charset="0"/>
+                      </a:rPr>
                       <m:t>(</m:t>
                     </m:r>
                     <m:r>
-                      <a:rPr lang="en-US" altLang="zh-CN" i="1"/>
+                      <a:rPr lang="en-US" altLang="zh-CN" i="1">
+                        <a:latin typeface="Cambria Math" panose="02040503050406030204" pitchFamily="18" charset="0"/>
+                      </a:rPr>
                       <m:t>𝑥</m:t>
                     </m:r>
                     <m:r>
-                      <a:rPr lang="en-US" altLang="zh-CN" i="1"/>
+                      <a:rPr lang="en-US" altLang="zh-CN" i="1">
+                        <a:latin typeface="Cambria Math" panose="02040503050406030204" pitchFamily="18" charset="0"/>
+                      </a:rPr>
                       <m:t>)=</m:t>
                     </m:r>
                     <m:func>
                       <m:funcPr>
                         <m:ctrlPr>
-                          <a:rPr lang="zh-CN" altLang="zh-CN" i="1"/>
+                          <a:rPr lang="zh-CN" altLang="zh-CN" i="1">
+                            <a:latin typeface="Cambria Math" panose="02040503050406030204" pitchFamily="18" charset="0"/>
+                          </a:rPr>
                         </m:ctrlPr>
                       </m:funcPr>
                       <m:fName>
                         <m:r>
-                          <a:rPr lang="en-US" altLang="zh-CN" i="1"/>
+                          <a:rPr lang="en-US" altLang="zh-CN" i="1">
+                            <a:latin typeface="Cambria Math" panose="02040503050406030204" pitchFamily="18" charset="0"/>
+                          </a:rPr>
                           <m:t>𝑙𝑛</m:t>
                         </m:r>
                       </m:fName>
                       <m:e>
                         <m:r>
-                          <a:rPr lang="en-US" altLang="zh-CN" i="1"/>
+                          <a:rPr lang="en-US" altLang="zh-CN" i="1">
+                            <a:latin typeface="Cambria Math" panose="02040503050406030204" pitchFamily="18" charset="0"/>
+                          </a:rPr>
                           <m:t>[</m:t>
                         </m:r>
                       </m:e>
                     </m:func>
                     <m:r>
-                      <a:rPr lang="en-US" altLang="zh-CN" i="1"/>
+                      <a:rPr lang="en-US" altLang="zh-CN" i="1">
+                        <a:latin typeface="Cambria Math" panose="02040503050406030204" pitchFamily="18" charset="0"/>
+                      </a:rPr>
                       <m:t>𝑝</m:t>
                     </m:r>
                     <m:r>
-                      <a:rPr lang="en-US" altLang="zh-CN" i="1"/>
+                      <a:rPr lang="en-US" altLang="zh-CN" i="1">
+                        <a:latin typeface="Cambria Math" panose="02040503050406030204" pitchFamily="18" charset="0"/>
+                      </a:rPr>
                       <m:t>(</m:t>
                     </m:r>
                     <m:r>
-                      <a:rPr lang="en-US" altLang="zh-CN" i="1"/>
+                      <a:rPr lang="en-US" altLang="zh-CN" i="1">
+                        <a:latin typeface="Cambria Math" panose="02040503050406030204" pitchFamily="18" charset="0"/>
+                      </a:rPr>
                       <m:t>𝑥</m:t>
                     </m:r>
                     <m:r>
-                      <a:rPr lang="en-US" altLang="zh-CN" i="1"/>
+                      <a:rPr lang="en-US" altLang="zh-CN" i="1">
+                        <a:latin typeface="Cambria Math" panose="02040503050406030204" pitchFamily="18" charset="0"/>
+                      </a:rPr>
                       <m:t>|</m:t>
                     </m:r>
                     <m:sSub>
                       <m:sSubPr>
                         <m:ctrlPr>
-                          <a:rPr lang="zh-CN" altLang="zh-CN" i="1"/>
+                          <a:rPr lang="zh-CN" altLang="zh-CN" i="1">
+                            <a:latin typeface="Cambria Math" panose="02040503050406030204" pitchFamily="18" charset="0"/>
+                          </a:rPr>
                         </m:ctrlPr>
                       </m:sSubPr>
                       <m:e>
                         <m:r>
-                          <a:rPr lang="en-US" altLang="zh-CN" i="1"/>
+                          <a:rPr lang="en-US" altLang="zh-CN" i="1">
+                            <a:latin typeface="Cambria Math" panose="02040503050406030204" pitchFamily="18" charset="0"/>
+                          </a:rPr>
                           <m:t>𝜔</m:t>
                         </m:r>
                       </m:e>
                       <m:sub>
                         <m:r>
-                          <a:rPr lang="en-US" altLang="zh-CN" i="1"/>
+                          <a:rPr lang="en-US" altLang="zh-CN" i="1">
+                            <a:latin typeface="Cambria Math" panose="02040503050406030204" pitchFamily="18" charset="0"/>
+                          </a:rPr>
                           <m:t>𝑖</m:t>
                         </m:r>
                       </m:sub>
                     </m:sSub>
                     <m:r>
-                      <a:rPr lang="en-US" altLang="zh-CN" i="1"/>
+                      <a:rPr lang="en-US" altLang="zh-CN" i="1">
+                        <a:latin typeface="Cambria Math" panose="02040503050406030204" pitchFamily="18" charset="0"/>
+                      </a:rPr>
                       <m:t>)</m:t>
                     </m:r>
                     <m:r>
-                      <a:rPr lang="en-US" altLang="zh-CN" i="1"/>
+                      <a:rPr lang="en-US" altLang="zh-CN" i="1">
+                        <a:latin typeface="Cambria Math" panose="02040503050406030204" pitchFamily="18" charset="0"/>
+                      </a:rPr>
                       <m:t>𝑃</m:t>
                     </m:r>
                     <m:r>
-                      <a:rPr lang="en-US" altLang="zh-CN" i="1"/>
+                      <a:rPr lang="en-US" altLang="zh-CN" i="1">
+                        <a:latin typeface="Cambria Math" panose="02040503050406030204" pitchFamily="18" charset="0"/>
+                      </a:rPr>
                       <m:t>(</m:t>
                     </m:r>
                     <m:sSub>
                       <m:sSubPr>
                         <m:ctrlPr>
-                          <a:rPr lang="zh-CN" altLang="zh-CN" i="1"/>
+                          <a:rPr lang="zh-CN" altLang="zh-CN" i="1">
+                            <a:latin typeface="Cambria Math" panose="02040503050406030204" pitchFamily="18" charset="0"/>
+                          </a:rPr>
                         </m:ctrlPr>
                       </m:sSubPr>
                       <m:e>
                         <m:r>
-                          <a:rPr lang="en-US" altLang="zh-CN" i="1"/>
+                          <a:rPr lang="en-US" altLang="zh-CN" i="1">
+                            <a:latin typeface="Cambria Math" panose="02040503050406030204" pitchFamily="18" charset="0"/>
+                          </a:rPr>
                           <m:t>𝜔</m:t>
                         </m:r>
                       </m:e>
                       <m:sub>
                         <m:r>
-                          <a:rPr lang="en-US" altLang="zh-CN" i="1"/>
+                          <a:rPr lang="en-US" altLang="zh-CN" i="1">
+                            <a:latin typeface="Cambria Math" panose="02040503050406030204" pitchFamily="18" charset="0"/>
+                          </a:rPr>
                           <m:t>𝑖</m:t>
                         </m:r>
                       </m:sub>
                     </m:sSub>
                     <m:r>
-                      <a:rPr lang="en-US" altLang="zh-CN" i="1"/>
+                      <a:rPr lang="en-US" altLang="zh-CN" i="1">
+                        <a:latin typeface="Cambria Math" panose="02040503050406030204" pitchFamily="18" charset="0"/>
+                      </a:rPr>
                       <m:t>)]=</m:t>
                     </m:r>
                     <m:func>
                       <m:funcPr>
                         <m:ctrlPr>
-                          <a:rPr lang="zh-CN" altLang="zh-CN" i="1"/>
+                          <a:rPr lang="zh-CN" altLang="zh-CN" i="1">
+                            <a:latin typeface="Cambria Math" panose="02040503050406030204" pitchFamily="18" charset="0"/>
+                          </a:rPr>
                         </m:ctrlPr>
                       </m:funcPr>
                       <m:fName>
                         <m:r>
-                          <a:rPr lang="en-US" altLang="zh-CN" i="1"/>
+                          <a:rPr lang="en-US" altLang="zh-CN" i="1">
+                            <a:latin typeface="Cambria Math" panose="02040503050406030204" pitchFamily="18" charset="0"/>
+                          </a:rPr>
                           <m:t>𝑙𝑛</m:t>
                         </m:r>
                       </m:fName>
                       <m:e>
                         <m:r>
-                          <a:rPr lang="en-US" altLang="zh-CN" i="1"/>
+                          <a:rPr lang="en-US" altLang="zh-CN" i="1">
+                            <a:latin typeface="Cambria Math" panose="02040503050406030204" pitchFamily="18" charset="0"/>
+                          </a:rPr>
                           <m:t>𝑝</m:t>
                         </m:r>
                       </m:e>
                     </m:func>
                     <m:r>
-                      <a:rPr lang="en-US" altLang="zh-CN" i="1"/>
+                      <a:rPr lang="en-US" altLang="zh-CN" i="1">
+                        <a:latin typeface="Cambria Math" panose="02040503050406030204" pitchFamily="18" charset="0"/>
+                      </a:rPr>
                       <m:t>(</m:t>
                     </m:r>
                     <m:r>
-                      <a:rPr lang="en-US" altLang="zh-CN" i="1"/>
+                      <a:rPr lang="en-US" altLang="zh-CN" i="1">
+                        <a:latin typeface="Cambria Math" panose="02040503050406030204" pitchFamily="18" charset="0"/>
+                      </a:rPr>
                       <m:t>𝑥</m:t>
                     </m:r>
                     <m:r>
-                      <a:rPr lang="en-US" altLang="zh-CN" i="1"/>
+                      <a:rPr lang="en-US" altLang="zh-CN" i="1">
+                        <a:latin typeface="Cambria Math" panose="02040503050406030204" pitchFamily="18" charset="0"/>
+                      </a:rPr>
                       <m:t>|</m:t>
                     </m:r>
                     <m:sSub>
                       <m:sSubPr>
                         <m:ctrlPr>
-                          <a:rPr lang="zh-CN" altLang="zh-CN" i="1"/>
+                          <a:rPr lang="zh-CN" altLang="zh-CN" i="1">
+                            <a:latin typeface="Cambria Math" panose="02040503050406030204" pitchFamily="18" charset="0"/>
+                          </a:rPr>
                         </m:ctrlPr>
                       </m:sSubPr>
                       <m:e>
                         <m:r>
-                          <a:rPr lang="en-US" altLang="zh-CN" i="1"/>
+                          <a:rPr lang="en-US" altLang="zh-CN" i="1">
+                            <a:latin typeface="Cambria Math" panose="02040503050406030204" pitchFamily="18" charset="0"/>
+                          </a:rPr>
                           <m:t>𝜔</m:t>
                         </m:r>
                       </m:e>
                       <m:sub>
                         <m:r>
-                          <a:rPr lang="en-US" altLang="zh-CN" i="1"/>
+                          <a:rPr lang="en-US" altLang="zh-CN" i="1">
+                            <a:latin typeface="Cambria Math" panose="02040503050406030204" pitchFamily="18" charset="0"/>
+                          </a:rPr>
                           <m:t>𝑖</m:t>
                         </m:r>
                       </m:sub>
                     </m:sSub>
                     <m:r>
-                      <a:rPr lang="en-US" altLang="zh-CN" i="1"/>
+                      <a:rPr lang="en-US" altLang="zh-CN" i="1">
+                        <a:latin typeface="Cambria Math" panose="02040503050406030204" pitchFamily="18" charset="0"/>
+                      </a:rPr>
                       <m:t>)+</m:t>
                     </m:r>
                     <m:func>
                       <m:funcPr>
                         <m:ctrlPr>
-                          <a:rPr lang="zh-CN" altLang="zh-CN" i="1"/>
+                          <a:rPr lang="zh-CN" altLang="zh-CN" i="1">
+                            <a:latin typeface="Cambria Math" panose="02040503050406030204" pitchFamily="18" charset="0"/>
+                          </a:rPr>
                         </m:ctrlPr>
                       </m:funcPr>
                       <m:fName>
                         <m:r>
-                          <a:rPr lang="en-US" altLang="zh-CN" i="1"/>
+                          <a:rPr lang="en-US" altLang="zh-CN" i="1">
+                            <a:latin typeface="Cambria Math" panose="02040503050406030204" pitchFamily="18" charset="0"/>
+                          </a:rPr>
                           <m:t>𝑙𝑛</m:t>
                         </m:r>
                       </m:fName>
                       <m:e>
                         <m:r>
-                          <a:rPr lang="en-US" altLang="zh-CN" i="1"/>
+                          <a:rPr lang="en-US" altLang="zh-CN" i="1">
+                            <a:latin typeface="Cambria Math" panose="02040503050406030204" pitchFamily="18" charset="0"/>
+                          </a:rPr>
                           <m:t>𝑃</m:t>
                         </m:r>
                       </m:e>
                     </m:func>
                     <m:r>
-                      <a:rPr lang="en-US" altLang="zh-CN" i="1"/>
+                      <a:rPr lang="en-US" altLang="zh-CN" i="1">
+                        <a:latin typeface="Cambria Math" panose="02040503050406030204" pitchFamily="18" charset="0"/>
+                      </a:rPr>
                       <m:t>(</m:t>
                     </m:r>
                     <m:sSub>
                       <m:sSubPr>
                         <m:ctrlPr>
-                          <a:rPr lang="zh-CN" altLang="zh-CN" i="1"/>
+                          <a:rPr lang="zh-CN" altLang="zh-CN" i="1">
+                            <a:latin typeface="Cambria Math" panose="02040503050406030204" pitchFamily="18" charset="0"/>
+                          </a:rPr>
                         </m:ctrlPr>
                       </m:sSubPr>
                       <m:e>
                         <m:r>
-                          <a:rPr lang="en-US" altLang="zh-CN" i="1"/>
+                          <a:rPr lang="en-US" altLang="zh-CN" i="1">
+                            <a:latin typeface="Cambria Math" panose="02040503050406030204" pitchFamily="18" charset="0"/>
+                          </a:rPr>
                           <m:t>𝜔</m:t>
                         </m:r>
                       </m:e>
                       <m:sub>
                         <m:r>
-                          <a:rPr lang="en-US" altLang="zh-CN" i="1"/>
+                          <a:rPr lang="en-US" altLang="zh-CN" i="1">
+                            <a:latin typeface="Cambria Math" panose="02040503050406030204" pitchFamily="18" charset="0"/>
+                          </a:rPr>
                           <m:t>𝑖</m:t>
                         </m:r>
                       </m:sub>
                     </m:sSub>
                     <m:r>
-                      <a:rPr lang="en-US" altLang="zh-CN" i="1"/>
+                      <a:rPr lang="en-US" altLang="zh-CN" i="1">
+                        <a:latin typeface="Cambria Math" panose="02040503050406030204" pitchFamily="18" charset="0"/>
+                      </a:rPr>
                       <m:t>)</m:t>
                     </m:r>
                   </m:oMath>
@@ -27759,24 +28192,32 @@
                 <a14:m>
                   <m:oMath xmlns:m="http://schemas.openxmlformats.org/officeDocument/2006/math">
                     <m:r>
-                      <a:rPr lang="en-US" altLang="zh-CN" i="1"/>
+                      <a:rPr lang="en-US" altLang="zh-CN" i="1">
+                        <a:latin typeface="Cambria Math" panose="02040503050406030204" pitchFamily="18" charset="0"/>
+                      </a:rPr>
                       <m:t>=−</m:t>
                     </m:r>
                     <m:f>
                       <m:fPr>
                         <m:ctrlPr>
-                          <a:rPr lang="zh-CN" altLang="zh-CN" i="1"/>
+                          <a:rPr lang="zh-CN" altLang="zh-CN" i="1">
+                            <a:latin typeface="Cambria Math" panose="02040503050406030204" pitchFamily="18" charset="0"/>
+                          </a:rPr>
                         </m:ctrlPr>
                       </m:fPr>
                       <m:num>
                         <m:r>
-                          <a:rPr lang="en-US" altLang="zh-CN" i="1"/>
+                          <a:rPr lang="en-US" altLang="zh-CN" i="1">
+                            <a:latin typeface="Cambria Math" panose="02040503050406030204" pitchFamily="18" charset="0"/>
+                          </a:rPr>
                           <m:t>𝑑</m:t>
                         </m:r>
                       </m:num>
                       <m:den>
                         <m:r>
-                          <a:rPr lang="en-US" altLang="zh-CN" i="1"/>
+                          <a:rPr lang="en-US" altLang="zh-CN" i="1">
+                            <a:latin typeface="Cambria Math" panose="02040503050406030204" pitchFamily="18" charset="0"/>
+                          </a:rPr>
                           <m:t>2</m:t>
                         </m:r>
                       </m:den>
@@ -27784,45 +28225,61 @@
                     <m:func>
                       <m:funcPr>
                         <m:ctrlPr>
-                          <a:rPr lang="zh-CN" altLang="zh-CN" i="1"/>
+                          <a:rPr lang="zh-CN" altLang="zh-CN" i="1">
+                            <a:latin typeface="Cambria Math" panose="02040503050406030204" pitchFamily="18" charset="0"/>
+                          </a:rPr>
                         </m:ctrlPr>
                       </m:funcPr>
                       <m:fName>
                         <m:r>
-                          <a:rPr lang="en-US" altLang="zh-CN" i="1"/>
+                          <a:rPr lang="en-US" altLang="zh-CN" i="1">
+                            <a:latin typeface="Cambria Math" panose="02040503050406030204" pitchFamily="18" charset="0"/>
+                          </a:rPr>
                           <m:t>𝑙𝑛</m:t>
                         </m:r>
                       </m:fName>
                       <m:e>
                         <m:r>
-                          <a:rPr lang="en-US" altLang="zh-CN" i="1"/>
+                          <a:rPr lang="en-US" altLang="zh-CN" i="1">
+                            <a:latin typeface="Cambria Math" panose="02040503050406030204" pitchFamily="18" charset="0"/>
+                          </a:rPr>
                           <m:t>2</m:t>
                         </m:r>
                       </m:e>
                     </m:func>
                     <m:r>
-                      <a:rPr lang="en-US" altLang="zh-CN" i="1"/>
+                      <a:rPr lang="en-US" altLang="zh-CN" i="1">
+                        <a:latin typeface="Cambria Math" panose="02040503050406030204" pitchFamily="18" charset="0"/>
+                      </a:rPr>
                       <m:t>𝜋</m:t>
                     </m:r>
                     <m:r>
-                      <a:rPr lang="en-US" altLang="zh-CN" i="1"/>
+                      <a:rPr lang="en-US" altLang="zh-CN" i="1">
+                        <a:latin typeface="Cambria Math" panose="02040503050406030204" pitchFamily="18" charset="0"/>
+                      </a:rPr>
                       <m:t>−</m:t>
                     </m:r>
                     <m:f>
                       <m:fPr>
                         <m:ctrlPr>
-                          <a:rPr lang="zh-CN" altLang="zh-CN" i="1"/>
+                          <a:rPr lang="zh-CN" altLang="zh-CN" i="1">
+                            <a:latin typeface="Cambria Math" panose="02040503050406030204" pitchFamily="18" charset="0"/>
+                          </a:rPr>
                         </m:ctrlPr>
                       </m:fPr>
                       <m:num>
                         <m:r>
-                          <a:rPr lang="en-US" altLang="zh-CN" i="1"/>
+                          <a:rPr lang="en-US" altLang="zh-CN" i="1">
+                            <a:latin typeface="Cambria Math" panose="02040503050406030204" pitchFamily="18" charset="0"/>
+                          </a:rPr>
                           <m:t>1</m:t>
                         </m:r>
                       </m:num>
                       <m:den>
                         <m:r>
-                          <a:rPr lang="en-US" altLang="zh-CN" i="1"/>
+                          <a:rPr lang="en-US" altLang="zh-CN" i="1">
+                            <a:latin typeface="Cambria Math" panose="02040503050406030204" pitchFamily="18" charset="0"/>
+                          </a:rPr>
                           <m:t>2</m:t>
                         </m:r>
                       </m:den>
@@ -27830,12 +28287,16 @@
                     <m:func>
                       <m:funcPr>
                         <m:ctrlPr>
-                          <a:rPr lang="zh-CN" altLang="zh-CN" i="1"/>
+                          <a:rPr lang="zh-CN" altLang="zh-CN" i="1">
+                            <a:latin typeface="Cambria Math" panose="02040503050406030204" pitchFamily="18" charset="0"/>
+                          </a:rPr>
                         </m:ctrlPr>
                       </m:funcPr>
                       <m:fName>
                         <m:r>
-                          <a:rPr lang="en-US" altLang="zh-CN" i="1"/>
+                          <a:rPr lang="en-US" altLang="zh-CN" i="1">
+                            <a:latin typeface="Cambria Math" panose="02040503050406030204" pitchFamily="18" charset="0"/>
+                          </a:rPr>
                           <m:t>𝑙𝑛</m:t>
                         </m:r>
                       </m:fName>
@@ -27845,25 +28306,33 @@
                             <m:begChr m:val="|"/>
                             <m:endChr m:val="|"/>
                             <m:ctrlPr>
-                              <a:rPr lang="zh-CN" altLang="zh-CN" i="1"/>
+                              <a:rPr lang="zh-CN" altLang="zh-CN" i="1">
+                                <a:latin typeface="Cambria Math" panose="02040503050406030204" pitchFamily="18" charset="0"/>
+                              </a:rPr>
                             </m:ctrlPr>
                           </m:dPr>
                           <m:e>
                             <m:sSub>
                               <m:sSubPr>
                                 <m:ctrlPr>
-                                  <a:rPr lang="zh-CN" altLang="zh-CN" i="1"/>
+                                  <a:rPr lang="zh-CN" altLang="zh-CN" i="1">
+                                    <a:latin typeface="Cambria Math" panose="02040503050406030204" pitchFamily="18" charset="0"/>
+                                  </a:rPr>
                                 </m:ctrlPr>
                               </m:sSubPr>
                               <m:e>
                                 <m:r>
-                                  <a:rPr lang="en-US" altLang="zh-CN" i="1"/>
+                                  <a:rPr lang="en-US" altLang="zh-CN" i="1">
+                                    <a:latin typeface="Cambria Math" panose="02040503050406030204" pitchFamily="18" charset="0"/>
+                                  </a:rPr>
                                   <m:t>∑</m:t>
                                 </m:r>
                               </m:e>
                               <m:sub>
                                 <m:r>
-                                  <a:rPr lang="en-US" altLang="zh-CN" i="1"/>
+                                  <a:rPr lang="en-US" altLang="zh-CN" i="1">
+                                    <a:latin typeface="Cambria Math" panose="02040503050406030204" pitchFamily="18" charset="0"/>
+                                  </a:rPr>
                                   <m:t>𝑖</m:t>
                                 </m:r>
                               </m:sub>
@@ -27873,55 +28342,75 @@
                       </m:e>
                     </m:func>
                     <m:r>
-                      <a:rPr lang="en-US" altLang="zh-CN" i="1"/>
+                      <a:rPr lang="en-US" altLang="zh-CN" i="1">
+                        <a:latin typeface="Cambria Math" panose="02040503050406030204" pitchFamily="18" charset="0"/>
+                      </a:rPr>
                       <m:t>−</m:t>
                     </m:r>
                     <m:f>
                       <m:fPr>
                         <m:ctrlPr>
-                          <a:rPr lang="zh-CN" altLang="zh-CN" i="1"/>
+                          <a:rPr lang="zh-CN" altLang="zh-CN" i="1">
+                            <a:latin typeface="Cambria Math" panose="02040503050406030204" pitchFamily="18" charset="0"/>
+                          </a:rPr>
                         </m:ctrlPr>
                       </m:fPr>
                       <m:num>
                         <m:r>
-                          <a:rPr lang="en-US" altLang="zh-CN" i="1"/>
+                          <a:rPr lang="en-US" altLang="zh-CN" i="1">
+                            <a:latin typeface="Cambria Math" panose="02040503050406030204" pitchFamily="18" charset="0"/>
+                          </a:rPr>
                           <m:t>1</m:t>
                         </m:r>
                       </m:num>
                       <m:den>
                         <m:r>
-                          <a:rPr lang="en-US" altLang="zh-CN" i="1"/>
+                          <a:rPr lang="en-US" altLang="zh-CN" i="1">
+                            <a:latin typeface="Cambria Math" panose="02040503050406030204" pitchFamily="18" charset="0"/>
+                          </a:rPr>
                           <m:t>2</m:t>
                         </m:r>
                       </m:den>
                     </m:f>
                     <m:r>
-                      <a:rPr lang="en-US" altLang="zh-CN" i="1"/>
+                      <a:rPr lang="en-US" altLang="zh-CN" i="1">
+                        <a:latin typeface="Cambria Math" panose="02040503050406030204" pitchFamily="18" charset="0"/>
+                      </a:rPr>
                       <m:t>(</m:t>
                     </m:r>
                     <m:r>
-                      <a:rPr lang="en-US" altLang="zh-CN" i="1"/>
+                      <a:rPr lang="en-US" altLang="zh-CN" i="1">
+                        <a:latin typeface="Cambria Math" panose="02040503050406030204" pitchFamily="18" charset="0"/>
+                      </a:rPr>
                       <m:t>𝑥</m:t>
                     </m:r>
                     <m:r>
-                      <a:rPr lang="en-US" altLang="zh-CN" i="1"/>
+                      <a:rPr lang="en-US" altLang="zh-CN" i="1">
+                        <a:latin typeface="Cambria Math" panose="02040503050406030204" pitchFamily="18" charset="0"/>
+                      </a:rPr>
                       <m:t>−</m:t>
                     </m:r>
                     <m:sSub>
                       <m:sSubPr>
                         <m:ctrlPr>
-                          <a:rPr lang="zh-CN" altLang="zh-CN" i="1"/>
+                          <a:rPr lang="zh-CN" altLang="zh-CN" i="1">
+                            <a:latin typeface="Cambria Math" panose="02040503050406030204" pitchFamily="18" charset="0"/>
+                          </a:rPr>
                         </m:ctrlPr>
                       </m:sSubPr>
                       <m:e>
                         <m:r>
-                          <a:rPr lang="en-US" altLang="zh-CN" i="1"/>
+                          <a:rPr lang="en-US" altLang="zh-CN" i="1">
+                            <a:latin typeface="Cambria Math" panose="02040503050406030204" pitchFamily="18" charset="0"/>
+                          </a:rPr>
                           <m:t>𝜇</m:t>
                         </m:r>
                       </m:e>
                       <m:sub>
                         <m:r>
-                          <a:rPr lang="en-US" altLang="zh-CN" i="1"/>
+                          <a:rPr lang="en-US" altLang="zh-CN" i="1">
+                            <a:latin typeface="Cambria Math" panose="02040503050406030204" pitchFamily="18" charset="0"/>
+                          </a:rPr>
                           <m:t>𝑖</m:t>
                         </m:r>
                       </m:sub>
@@ -27929,18 +28418,24 @@
                     <m:sSup>
                       <m:sSupPr>
                         <m:ctrlPr>
-                          <a:rPr lang="zh-CN" altLang="zh-CN" i="1"/>
+                          <a:rPr lang="zh-CN" altLang="zh-CN" i="1">
+                            <a:latin typeface="Cambria Math" panose="02040503050406030204" pitchFamily="18" charset="0"/>
+                          </a:rPr>
                         </m:ctrlPr>
                       </m:sSupPr>
                       <m:e>
                         <m:r>
-                          <a:rPr lang="en-US" altLang="zh-CN" i="1"/>
+                          <a:rPr lang="en-US" altLang="zh-CN" i="1">
+                            <a:latin typeface="Cambria Math" panose="02040503050406030204" pitchFamily="18" charset="0"/>
+                          </a:rPr>
                           <m:t>)</m:t>
                         </m:r>
                       </m:e>
                       <m:sup>
                         <m:r>
-                          <a:rPr lang="en-US" altLang="zh-CN" i="1"/>
+                          <a:rPr lang="en-US" altLang="zh-CN" i="1">
+                            <a:latin typeface="Cambria Math" panose="02040503050406030204" pitchFamily="18" charset="0"/>
+                          </a:rPr>
                           <m:t>𝑇</m:t>
                         </m:r>
                       </m:sup>
@@ -27948,107 +28443,145 @@
                     <m:sSubSup>
                       <m:sSubSupPr>
                         <m:ctrlPr>
-                          <a:rPr lang="zh-CN" altLang="zh-CN" i="1"/>
+                          <a:rPr lang="zh-CN" altLang="zh-CN" i="1">
+                            <a:latin typeface="Cambria Math" panose="02040503050406030204" pitchFamily="18" charset="0"/>
+                          </a:rPr>
                         </m:ctrlPr>
                       </m:sSubSupPr>
                       <m:e>
                         <m:r>
-                          <a:rPr lang="en-US" altLang="zh-CN" i="1"/>
+                          <a:rPr lang="en-US" altLang="zh-CN" i="1">
+                            <a:latin typeface="Cambria Math" panose="02040503050406030204" pitchFamily="18" charset="0"/>
+                          </a:rPr>
                           <m:t>∑</m:t>
                         </m:r>
                       </m:e>
                       <m:sub>
                         <m:r>
-                          <a:rPr lang="en-US" altLang="zh-CN" i="1"/>
+                          <a:rPr lang="en-US" altLang="zh-CN" i="1">
+                            <a:latin typeface="Cambria Math" panose="02040503050406030204" pitchFamily="18" charset="0"/>
+                          </a:rPr>
                           <m:t>𝑗</m:t>
                         </m:r>
                       </m:sub>
                       <m:sup>
                         <m:r>
-                          <a:rPr lang="en-US" altLang="zh-CN" i="1"/>
+                          <a:rPr lang="en-US" altLang="zh-CN" i="1">
+                            <a:latin typeface="Cambria Math" panose="02040503050406030204" pitchFamily="18" charset="0"/>
+                          </a:rPr>
                           <m:t>𝑇</m:t>
                         </m:r>
                       </m:sup>
                     </m:sSubSup>
                     <m:r>
-                      <a:rPr lang="en-US" altLang="zh-CN" i="1"/>
+                      <a:rPr lang="en-US" altLang="zh-CN" i="1">
+                        <a:latin typeface="Cambria Math" panose="02040503050406030204" pitchFamily="18" charset="0"/>
+                      </a:rPr>
                       <m:t>(</m:t>
                     </m:r>
                     <m:r>
-                      <a:rPr lang="en-US" altLang="zh-CN" i="1"/>
+                      <a:rPr lang="en-US" altLang="zh-CN" i="1">
+                        <a:latin typeface="Cambria Math" panose="02040503050406030204" pitchFamily="18" charset="0"/>
+                      </a:rPr>
                       <m:t>𝑥</m:t>
                     </m:r>
                     <m:r>
-                      <a:rPr lang="en-US" altLang="zh-CN" i="1"/>
+                      <a:rPr lang="en-US" altLang="zh-CN" i="1">
+                        <a:latin typeface="Cambria Math" panose="02040503050406030204" pitchFamily="18" charset="0"/>
+                      </a:rPr>
                       <m:t>−</m:t>
                     </m:r>
                     <m:sSub>
                       <m:sSubPr>
                         <m:ctrlPr>
-                          <a:rPr lang="zh-CN" altLang="zh-CN" i="1"/>
+                          <a:rPr lang="zh-CN" altLang="zh-CN" i="1">
+                            <a:latin typeface="Cambria Math" panose="02040503050406030204" pitchFamily="18" charset="0"/>
+                          </a:rPr>
                         </m:ctrlPr>
                       </m:sSubPr>
                       <m:e>
                         <m:r>
-                          <a:rPr lang="en-US" altLang="zh-CN" i="1"/>
+                          <a:rPr lang="en-US" altLang="zh-CN" i="1">
+                            <a:latin typeface="Cambria Math" panose="02040503050406030204" pitchFamily="18" charset="0"/>
+                          </a:rPr>
                           <m:t>𝜇</m:t>
                         </m:r>
                       </m:e>
                       <m:sub>
                         <m:r>
-                          <a:rPr lang="en-US" altLang="zh-CN" i="1"/>
+                          <a:rPr lang="en-US" altLang="zh-CN" i="1">
+                            <a:latin typeface="Cambria Math" panose="02040503050406030204" pitchFamily="18" charset="0"/>
+                          </a:rPr>
                           <m:t>𝑖</m:t>
                         </m:r>
                       </m:sub>
                     </m:sSub>
                     <m:r>
-                      <a:rPr lang="en-US" altLang="zh-CN" i="1"/>
+                      <a:rPr lang="en-US" altLang="zh-CN" i="1">
+                        <a:latin typeface="Cambria Math" panose="02040503050406030204" pitchFamily="18" charset="0"/>
+                      </a:rPr>
                       <m:t>)+</m:t>
                     </m:r>
                     <m:func>
                       <m:funcPr>
                         <m:ctrlPr>
-                          <a:rPr lang="zh-CN" altLang="zh-CN" i="1"/>
+                          <a:rPr lang="zh-CN" altLang="zh-CN" i="1">
+                            <a:latin typeface="Cambria Math" panose="02040503050406030204" pitchFamily="18" charset="0"/>
+                          </a:rPr>
                         </m:ctrlPr>
                       </m:funcPr>
                       <m:fName>
                         <m:r>
-                          <a:rPr lang="en-US" altLang="zh-CN" i="1"/>
+                          <a:rPr lang="en-US" altLang="zh-CN" i="1">
+                            <a:latin typeface="Cambria Math" panose="02040503050406030204" pitchFamily="18" charset="0"/>
+                          </a:rPr>
                           <m:t>𝑙𝑛</m:t>
                         </m:r>
                       </m:fName>
                       <m:e>
                         <m:r>
-                          <a:rPr lang="en-US" altLang="zh-CN" i="1"/>
+                          <a:rPr lang="en-US" altLang="zh-CN" i="1">
+                            <a:latin typeface="Cambria Math" panose="02040503050406030204" pitchFamily="18" charset="0"/>
+                          </a:rPr>
                           <m:t>𝑃</m:t>
                         </m:r>
                       </m:e>
                     </m:func>
                     <m:r>
-                      <a:rPr lang="en-US" altLang="zh-CN" i="1"/>
+                      <a:rPr lang="en-US" altLang="zh-CN" i="1">
+                        <a:latin typeface="Cambria Math" panose="02040503050406030204" pitchFamily="18" charset="0"/>
+                      </a:rPr>
                       <m:t>(</m:t>
                     </m:r>
                     <m:sSub>
                       <m:sSubPr>
                         <m:ctrlPr>
-                          <a:rPr lang="zh-CN" altLang="zh-CN" i="1"/>
+                          <a:rPr lang="zh-CN" altLang="zh-CN" i="1">
+                            <a:latin typeface="Cambria Math" panose="02040503050406030204" pitchFamily="18" charset="0"/>
+                          </a:rPr>
                         </m:ctrlPr>
                       </m:sSubPr>
                       <m:e>
                         <m:r>
-                          <a:rPr lang="en-US" altLang="zh-CN" i="1"/>
+                          <a:rPr lang="en-US" altLang="zh-CN" i="1">
+                            <a:latin typeface="Cambria Math" panose="02040503050406030204" pitchFamily="18" charset="0"/>
+                          </a:rPr>
                           <m:t>𝜔</m:t>
                         </m:r>
                       </m:e>
                       <m:sub>
                         <m:r>
-                          <a:rPr lang="en-US" altLang="zh-CN" i="1"/>
+                          <a:rPr lang="en-US" altLang="zh-CN" i="1">
+                            <a:latin typeface="Cambria Math" panose="02040503050406030204" pitchFamily="18" charset="0"/>
+                          </a:rPr>
                           <m:t>𝑖</m:t>
                         </m:r>
                       </m:sub>
                     </m:sSub>
                     <m:r>
-                      <a:rPr lang="en-US" altLang="zh-CN" i="1"/>
+                      <a:rPr lang="en-US" altLang="zh-CN" i="1">
+                        <a:latin typeface="Cambria Math" panose="02040503050406030204" pitchFamily="18" charset="0"/>
+                      </a:rPr>
                       <m:t>)</m:t>
                     </m:r>
                   </m:oMath>
@@ -28072,63 +28605,87 @@
                     <m:sSub>
                       <m:sSubPr>
                         <m:ctrlPr>
-                          <a:rPr lang="zh-CN" altLang="zh-CN" i="1"/>
+                          <a:rPr lang="zh-CN" altLang="zh-CN" i="1">
+                            <a:latin typeface="Cambria Math" panose="02040503050406030204" pitchFamily="18" charset="0"/>
+                          </a:rPr>
                         </m:ctrlPr>
                       </m:sSubPr>
                       <m:e>
                         <m:r>
-                          <a:rPr lang="en-US" altLang="zh-CN" i="1"/>
+                          <a:rPr lang="en-US" altLang="zh-CN" i="1">
+                            <a:latin typeface="Cambria Math" panose="02040503050406030204" pitchFamily="18" charset="0"/>
+                          </a:rPr>
                           <m:t>𝑔</m:t>
                         </m:r>
                       </m:e>
                       <m:sub>
                         <m:r>
-                          <a:rPr lang="en-US" altLang="zh-CN" i="1"/>
+                          <a:rPr lang="en-US" altLang="zh-CN" i="1">
+                            <a:latin typeface="Cambria Math" panose="02040503050406030204" pitchFamily="18" charset="0"/>
+                          </a:rPr>
                           <m:t>𝑖</m:t>
                         </m:r>
                       </m:sub>
                     </m:sSub>
                     <m:r>
-                      <a:rPr lang="en-US" altLang="zh-CN" i="1"/>
+                      <a:rPr lang="en-US" altLang="zh-CN" i="1">
+                        <a:latin typeface="Cambria Math" panose="02040503050406030204" pitchFamily="18" charset="0"/>
+                      </a:rPr>
                       <m:t>(</m:t>
                     </m:r>
                     <m:r>
-                      <a:rPr lang="en-US" altLang="zh-CN" i="1"/>
+                      <a:rPr lang="en-US" altLang="zh-CN" i="1">
+                        <a:latin typeface="Cambria Math" panose="02040503050406030204" pitchFamily="18" charset="0"/>
+                      </a:rPr>
                       <m:t>𝑥</m:t>
                     </m:r>
                     <m:r>
-                      <a:rPr lang="en-US" altLang="zh-CN" i="1"/>
+                      <a:rPr lang="en-US" altLang="zh-CN" i="1">
+                        <a:latin typeface="Cambria Math" panose="02040503050406030204" pitchFamily="18" charset="0"/>
+                      </a:rPr>
                       <m:t>)=</m:t>
                     </m:r>
                     <m:sSub>
                       <m:sSubPr>
                         <m:ctrlPr>
-                          <a:rPr lang="zh-CN" altLang="zh-CN" i="1"/>
+                          <a:rPr lang="zh-CN" altLang="zh-CN" i="1">
+                            <a:latin typeface="Cambria Math" panose="02040503050406030204" pitchFamily="18" charset="0"/>
+                          </a:rPr>
                         </m:ctrlPr>
                       </m:sSubPr>
                       <m:e>
                         <m:r>
-                          <a:rPr lang="en-US" altLang="zh-CN" i="1"/>
+                          <a:rPr lang="en-US" altLang="zh-CN" i="1">
+                            <a:latin typeface="Cambria Math" panose="02040503050406030204" pitchFamily="18" charset="0"/>
+                          </a:rPr>
                           <m:t>𝑔</m:t>
                         </m:r>
                       </m:e>
                       <m:sub>
                         <m:r>
-                          <a:rPr lang="en-US" altLang="zh-CN" i="1"/>
+                          <a:rPr lang="en-US" altLang="zh-CN" i="1">
+                            <a:latin typeface="Cambria Math" panose="02040503050406030204" pitchFamily="18" charset="0"/>
+                          </a:rPr>
                           <m:t>𝑗</m:t>
                         </m:r>
                       </m:sub>
                     </m:sSub>
                     <m:r>
-                      <a:rPr lang="en-US" altLang="zh-CN" i="1"/>
+                      <a:rPr lang="en-US" altLang="zh-CN" i="1">
+                        <a:latin typeface="Cambria Math" panose="02040503050406030204" pitchFamily="18" charset="0"/>
+                      </a:rPr>
                       <m:t>(</m:t>
                     </m:r>
                     <m:r>
-                      <a:rPr lang="en-US" altLang="zh-CN" i="1"/>
+                      <a:rPr lang="en-US" altLang="zh-CN" i="1">
+                        <a:latin typeface="Cambria Math" panose="02040503050406030204" pitchFamily="18" charset="0"/>
+                      </a:rPr>
                       <m:t>𝑥</m:t>
                     </m:r>
                     <m:r>
-                      <a:rPr lang="en-US" altLang="zh-CN" i="1"/>
+                      <a:rPr lang="en-US" altLang="zh-CN" i="1">
+                        <a:latin typeface="Cambria Math" panose="02040503050406030204" pitchFamily="18" charset="0"/>
+                      </a:rPr>
                       <m:t>)</m:t>
                     </m:r>
                   </m:oMath>
@@ -28139,24 +28696,32 @@
                 <a14:m>
                   <m:oMath xmlns:m="http://schemas.openxmlformats.org/officeDocument/2006/math">
                     <m:r>
-                      <a:rPr lang="en-US" altLang="zh-CN" i="1"/>
+                      <a:rPr lang="en-US" altLang="zh-CN" i="1">
+                        <a:latin typeface="Cambria Math" panose="02040503050406030204" pitchFamily="18" charset="0"/>
+                      </a:rPr>
                       <m:t>−</m:t>
                     </m:r>
                     <m:f>
                       <m:fPr>
                         <m:ctrlPr>
-                          <a:rPr lang="zh-CN" altLang="zh-CN" i="1"/>
+                          <a:rPr lang="zh-CN" altLang="zh-CN" i="1">
+                            <a:latin typeface="Cambria Math" panose="02040503050406030204" pitchFamily="18" charset="0"/>
+                          </a:rPr>
                         </m:ctrlPr>
                       </m:fPr>
                       <m:num>
                         <m:r>
-                          <a:rPr lang="en-US" altLang="zh-CN" i="1"/>
+                          <a:rPr lang="en-US" altLang="zh-CN" i="1">
+                            <a:latin typeface="Cambria Math" panose="02040503050406030204" pitchFamily="18" charset="0"/>
+                          </a:rPr>
                           <m:t>1</m:t>
                         </m:r>
                       </m:num>
                       <m:den>
                         <m:r>
-                          <a:rPr lang="en-US" altLang="zh-CN" i="1"/>
+                          <a:rPr lang="en-US" altLang="zh-CN" i="1">
+                            <a:latin typeface="Cambria Math" panose="02040503050406030204" pitchFamily="18" charset="0"/>
+                          </a:rPr>
                           <m:t>2</m:t>
                         </m:r>
                       </m:den>
@@ -28166,37 +28731,51 @@
                         <m:begChr m:val="["/>
                         <m:endChr m:val="]"/>
                         <m:ctrlPr>
-                          <a:rPr lang="zh-CN" altLang="zh-CN" i="1"/>
+                          <a:rPr lang="zh-CN" altLang="zh-CN" i="1">
+                            <a:latin typeface="Cambria Math" panose="02040503050406030204" pitchFamily="18" charset="0"/>
+                          </a:rPr>
                         </m:ctrlPr>
                       </m:dPr>
                       <m:e>
                         <m:r>
-                          <a:rPr lang="en-US" altLang="zh-CN" i="1"/>
+                          <a:rPr lang="en-US" altLang="zh-CN" i="1">
+                            <a:latin typeface="Cambria Math" panose="02040503050406030204" pitchFamily="18" charset="0"/>
+                          </a:rPr>
                           <m:t>(</m:t>
                         </m:r>
                         <m:r>
-                          <a:rPr lang="en-US" altLang="zh-CN" i="1"/>
+                          <a:rPr lang="en-US" altLang="zh-CN" i="1">
+                            <a:latin typeface="Cambria Math" panose="02040503050406030204" pitchFamily="18" charset="0"/>
+                          </a:rPr>
                           <m:t>𝑥</m:t>
                         </m:r>
                         <m:r>
-                          <a:rPr lang="en-US" altLang="zh-CN" i="1"/>
+                          <a:rPr lang="en-US" altLang="zh-CN" i="1">
+                            <a:latin typeface="Cambria Math" panose="02040503050406030204" pitchFamily="18" charset="0"/>
+                          </a:rPr>
                           <m:t>−</m:t>
                         </m:r>
                         <m:sSub>
                           <m:sSubPr>
                             <m:ctrlPr>
-                              <a:rPr lang="zh-CN" altLang="zh-CN" i="1"/>
+                              <a:rPr lang="zh-CN" altLang="zh-CN" i="1">
+                                <a:latin typeface="Cambria Math" panose="02040503050406030204" pitchFamily="18" charset="0"/>
+                              </a:rPr>
                             </m:ctrlPr>
                           </m:sSubPr>
                           <m:e>
                             <m:r>
-                              <a:rPr lang="en-US" altLang="zh-CN" i="1"/>
+                              <a:rPr lang="en-US" altLang="zh-CN" i="1">
+                                <a:latin typeface="Cambria Math" panose="02040503050406030204" pitchFamily="18" charset="0"/>
+                              </a:rPr>
                               <m:t>𝜇</m:t>
                             </m:r>
                           </m:e>
                           <m:sub>
                             <m:r>
-                              <a:rPr lang="en-US" altLang="zh-CN" i="1"/>
+                              <a:rPr lang="en-US" altLang="zh-CN" i="1">
+                                <a:latin typeface="Cambria Math" panose="02040503050406030204" pitchFamily="18" charset="0"/>
+                              </a:rPr>
                               <m:t>𝑖</m:t>
                             </m:r>
                           </m:sub>
@@ -28204,18 +28783,24 @@
                         <m:sSup>
                           <m:sSupPr>
                             <m:ctrlPr>
-                              <a:rPr lang="zh-CN" altLang="zh-CN" i="1"/>
+                              <a:rPr lang="zh-CN" altLang="zh-CN" i="1">
+                                <a:latin typeface="Cambria Math" panose="02040503050406030204" pitchFamily="18" charset="0"/>
+                              </a:rPr>
                             </m:ctrlPr>
                           </m:sSupPr>
                           <m:e>
                             <m:r>
-                              <a:rPr lang="en-US" altLang="zh-CN" i="1"/>
+                              <a:rPr lang="en-US" altLang="zh-CN" i="1">
+                                <a:latin typeface="Cambria Math" panose="02040503050406030204" pitchFamily="18" charset="0"/>
+                              </a:rPr>
                               <m:t>)</m:t>
                             </m:r>
                           </m:e>
                           <m:sup>
                             <m:r>
-                              <a:rPr lang="en-US" altLang="zh-CN" i="1"/>
+                              <a:rPr lang="en-US" altLang="zh-CN" i="1">
+                                <a:latin typeface="Cambria Math" panose="02040503050406030204" pitchFamily="18" charset="0"/>
+                              </a:rPr>
                               <m:t>𝑇</m:t>
                             </m:r>
                           </m:sup>
@@ -28223,86 +28808,118 @@
                         <m:sSubSup>
                           <m:sSubSupPr>
                             <m:ctrlPr>
-                              <a:rPr lang="zh-CN" altLang="zh-CN" i="1"/>
+                              <a:rPr lang="zh-CN" altLang="zh-CN" i="1">
+                                <a:latin typeface="Cambria Math" panose="02040503050406030204" pitchFamily="18" charset="0"/>
+                              </a:rPr>
                             </m:ctrlPr>
                           </m:sSubSupPr>
                           <m:e>
                             <m:r>
-                              <a:rPr lang="en-US" altLang="zh-CN" i="1"/>
+                              <a:rPr lang="en-US" altLang="zh-CN" i="1">
+                                <a:latin typeface="Cambria Math" panose="02040503050406030204" pitchFamily="18" charset="0"/>
+                              </a:rPr>
                               <m:t>∑</m:t>
                             </m:r>
                           </m:e>
                           <m:sub>
                             <m:r>
-                              <a:rPr lang="en-US" altLang="zh-CN" i="1"/>
+                              <a:rPr lang="en-US" altLang="zh-CN" i="1">
+                                <a:latin typeface="Cambria Math" panose="02040503050406030204" pitchFamily="18" charset="0"/>
+                              </a:rPr>
                               <m:t>𝑖</m:t>
                             </m:r>
                           </m:sub>
                           <m:sup>
                             <m:r>
-                              <a:rPr lang="en-US" altLang="zh-CN" i="1"/>
+                              <a:rPr lang="en-US" altLang="zh-CN" i="1">
+                                <a:latin typeface="Cambria Math" panose="02040503050406030204" pitchFamily="18" charset="0"/>
+                              </a:rPr>
                               <m:t>−1</m:t>
                             </m:r>
                           </m:sup>
                         </m:sSubSup>
                         <m:r>
-                          <a:rPr lang="en-US" altLang="zh-CN" i="1"/>
+                          <a:rPr lang="en-US" altLang="zh-CN" i="1">
+                            <a:latin typeface="Cambria Math" panose="02040503050406030204" pitchFamily="18" charset="0"/>
+                          </a:rPr>
                           <m:t>(</m:t>
                         </m:r>
                         <m:r>
-                          <a:rPr lang="en-US" altLang="zh-CN" i="1"/>
+                          <a:rPr lang="en-US" altLang="zh-CN" i="1">
+                            <a:latin typeface="Cambria Math" panose="02040503050406030204" pitchFamily="18" charset="0"/>
+                          </a:rPr>
                           <m:t>𝑥</m:t>
                         </m:r>
                         <m:r>
-                          <a:rPr lang="en-US" altLang="zh-CN" i="1"/>
+                          <a:rPr lang="en-US" altLang="zh-CN" i="1">
+                            <a:latin typeface="Cambria Math" panose="02040503050406030204" pitchFamily="18" charset="0"/>
+                          </a:rPr>
                           <m:t>−</m:t>
                         </m:r>
                         <m:sSub>
                           <m:sSubPr>
                             <m:ctrlPr>
-                              <a:rPr lang="zh-CN" altLang="zh-CN" i="1"/>
+                              <a:rPr lang="zh-CN" altLang="zh-CN" i="1">
+                                <a:latin typeface="Cambria Math" panose="02040503050406030204" pitchFamily="18" charset="0"/>
+                              </a:rPr>
                             </m:ctrlPr>
                           </m:sSubPr>
                           <m:e>
                             <m:r>
-                              <a:rPr lang="en-US" altLang="zh-CN" i="1"/>
+                              <a:rPr lang="en-US" altLang="zh-CN" i="1">
+                                <a:latin typeface="Cambria Math" panose="02040503050406030204" pitchFamily="18" charset="0"/>
+                              </a:rPr>
                               <m:t>𝜇</m:t>
                             </m:r>
                           </m:e>
                           <m:sub>
                             <m:r>
-                              <a:rPr lang="en-US" altLang="zh-CN" i="1"/>
+                              <a:rPr lang="en-US" altLang="zh-CN" i="1">
+                                <a:latin typeface="Cambria Math" panose="02040503050406030204" pitchFamily="18" charset="0"/>
+                              </a:rPr>
                               <m:t>𝑖</m:t>
                             </m:r>
                           </m:sub>
                         </m:sSub>
                         <m:r>
-                          <a:rPr lang="en-US" altLang="zh-CN" i="1"/>
+                          <a:rPr lang="en-US" altLang="zh-CN" i="1">
+                            <a:latin typeface="Cambria Math" panose="02040503050406030204" pitchFamily="18" charset="0"/>
+                          </a:rPr>
                           <m:t>)−(</m:t>
                         </m:r>
                         <m:r>
-                          <a:rPr lang="en-US" altLang="zh-CN" i="1"/>
+                          <a:rPr lang="en-US" altLang="zh-CN" i="1">
+                            <a:latin typeface="Cambria Math" panose="02040503050406030204" pitchFamily="18" charset="0"/>
+                          </a:rPr>
                           <m:t>𝑥</m:t>
                         </m:r>
                         <m:r>
-                          <a:rPr lang="en-US" altLang="zh-CN" i="1"/>
+                          <a:rPr lang="en-US" altLang="zh-CN" i="1">
+                            <a:latin typeface="Cambria Math" panose="02040503050406030204" pitchFamily="18" charset="0"/>
+                          </a:rPr>
                           <m:t>−</m:t>
                         </m:r>
                         <m:sSub>
                           <m:sSubPr>
                             <m:ctrlPr>
-                              <a:rPr lang="zh-CN" altLang="zh-CN" i="1"/>
+                              <a:rPr lang="zh-CN" altLang="zh-CN" i="1">
+                                <a:latin typeface="Cambria Math" panose="02040503050406030204" pitchFamily="18" charset="0"/>
+                              </a:rPr>
                             </m:ctrlPr>
                           </m:sSubPr>
                           <m:e>
                             <m:r>
-                              <a:rPr lang="en-US" altLang="zh-CN" i="1"/>
+                              <a:rPr lang="en-US" altLang="zh-CN" i="1">
+                                <a:latin typeface="Cambria Math" panose="02040503050406030204" pitchFamily="18" charset="0"/>
+                              </a:rPr>
                               <m:t>𝜇</m:t>
                             </m:r>
                           </m:e>
                           <m:sub>
                             <m:r>
-                              <a:rPr lang="en-US" altLang="zh-CN" i="1"/>
+                              <a:rPr lang="en-US" altLang="zh-CN" i="1">
+                                <a:latin typeface="Cambria Math" panose="02040503050406030204" pitchFamily="18" charset="0"/>
+                              </a:rPr>
                               <m:t>𝑗</m:t>
                             </m:r>
                           </m:sub>
@@ -28310,18 +28927,24 @@
                         <m:sSup>
                           <m:sSupPr>
                             <m:ctrlPr>
-                              <a:rPr lang="zh-CN" altLang="zh-CN" i="1"/>
+                              <a:rPr lang="zh-CN" altLang="zh-CN" i="1">
+                                <a:latin typeface="Cambria Math" panose="02040503050406030204" pitchFamily="18" charset="0"/>
+                              </a:rPr>
                             </m:ctrlPr>
                           </m:sSupPr>
                           <m:e>
                             <m:r>
-                              <a:rPr lang="en-US" altLang="zh-CN" i="1"/>
+                              <a:rPr lang="en-US" altLang="zh-CN" i="1">
+                                <a:latin typeface="Cambria Math" panose="02040503050406030204" pitchFamily="18" charset="0"/>
+                              </a:rPr>
                               <m:t>)</m:t>
                             </m:r>
                           </m:e>
                           <m:sup>
                             <m:r>
-                              <a:rPr lang="en-US" altLang="zh-CN" i="1"/>
+                              <a:rPr lang="en-US" altLang="zh-CN" i="1">
+                                <a:latin typeface="Cambria Math" panose="02040503050406030204" pitchFamily="18" charset="0"/>
+                              </a:rPr>
                               <m:t>𝑇</m:t>
                             </m:r>
                           </m:sup>
@@ -28329,84 +28952,114 @@
                         <m:sSubSup>
                           <m:sSubSupPr>
                             <m:ctrlPr>
-                              <a:rPr lang="zh-CN" altLang="zh-CN" i="1"/>
+                              <a:rPr lang="zh-CN" altLang="zh-CN" i="1">
+                                <a:latin typeface="Cambria Math" panose="02040503050406030204" pitchFamily="18" charset="0"/>
+                              </a:rPr>
                             </m:ctrlPr>
                           </m:sSubSupPr>
                           <m:e>
                             <m:r>
-                              <a:rPr lang="en-US" altLang="zh-CN" i="1"/>
+                              <a:rPr lang="en-US" altLang="zh-CN" i="1">
+                                <a:latin typeface="Cambria Math" panose="02040503050406030204" pitchFamily="18" charset="0"/>
+                              </a:rPr>
                               <m:t>∑</m:t>
                             </m:r>
                           </m:e>
                           <m:sub>
                             <m:r>
-                              <a:rPr lang="en-US" altLang="zh-CN" i="1"/>
+                              <a:rPr lang="en-US" altLang="zh-CN" i="1">
+                                <a:latin typeface="Cambria Math" panose="02040503050406030204" pitchFamily="18" charset="0"/>
+                              </a:rPr>
                               <m:t>𝑗</m:t>
                             </m:r>
                           </m:sub>
                           <m:sup>
                             <m:r>
-                              <a:rPr lang="en-US" altLang="zh-CN" i="1"/>
+                              <a:rPr lang="en-US" altLang="zh-CN" i="1">
+                                <a:latin typeface="Cambria Math" panose="02040503050406030204" pitchFamily="18" charset="0"/>
+                              </a:rPr>
                               <m:t>−1</m:t>
                             </m:r>
                           </m:sup>
                         </m:sSubSup>
                         <m:r>
-                          <a:rPr lang="en-US" altLang="zh-CN" i="1"/>
+                          <a:rPr lang="en-US" altLang="zh-CN" i="1">
+                            <a:latin typeface="Cambria Math" panose="02040503050406030204" pitchFamily="18" charset="0"/>
+                          </a:rPr>
                           <m:t>(</m:t>
                         </m:r>
                         <m:r>
-                          <a:rPr lang="en-US" altLang="zh-CN" i="1"/>
+                          <a:rPr lang="en-US" altLang="zh-CN" i="1">
+                            <a:latin typeface="Cambria Math" panose="02040503050406030204" pitchFamily="18" charset="0"/>
+                          </a:rPr>
                           <m:t>𝑥</m:t>
                         </m:r>
                         <m:r>
-                          <a:rPr lang="en-US" altLang="zh-CN" i="1"/>
+                          <a:rPr lang="en-US" altLang="zh-CN" i="1">
+                            <a:latin typeface="Cambria Math" panose="02040503050406030204" pitchFamily="18" charset="0"/>
+                          </a:rPr>
                           <m:t>−</m:t>
                         </m:r>
                         <m:sSub>
                           <m:sSubPr>
                             <m:ctrlPr>
-                              <a:rPr lang="zh-CN" altLang="zh-CN" i="1"/>
+                              <a:rPr lang="zh-CN" altLang="zh-CN" i="1">
+                                <a:latin typeface="Cambria Math" panose="02040503050406030204" pitchFamily="18" charset="0"/>
+                              </a:rPr>
                             </m:ctrlPr>
                           </m:sSubPr>
                           <m:e>
                             <m:r>
-                              <a:rPr lang="en-US" altLang="zh-CN" i="1"/>
+                              <a:rPr lang="en-US" altLang="zh-CN" i="1">
+                                <a:latin typeface="Cambria Math" panose="02040503050406030204" pitchFamily="18" charset="0"/>
+                              </a:rPr>
                               <m:t>𝜇</m:t>
                             </m:r>
                           </m:e>
                           <m:sub>
                             <m:r>
-                              <a:rPr lang="en-US" altLang="zh-CN" i="1"/>
+                              <a:rPr lang="en-US" altLang="zh-CN" i="1">
+                                <a:latin typeface="Cambria Math" panose="02040503050406030204" pitchFamily="18" charset="0"/>
+                              </a:rPr>
                               <m:t>𝑗</m:t>
                             </m:r>
                           </m:sub>
                         </m:sSub>
                         <m:r>
-                          <a:rPr lang="en-US" altLang="zh-CN" i="1"/>
+                          <a:rPr lang="en-US" altLang="zh-CN" i="1">
+                            <a:latin typeface="Cambria Math" panose="02040503050406030204" pitchFamily="18" charset="0"/>
+                          </a:rPr>
                           <m:t>)</m:t>
                         </m:r>
                       </m:e>
                     </m:d>
                     <m:r>
-                      <a:rPr lang="en-US" altLang="zh-CN" i="1"/>
+                      <a:rPr lang="en-US" altLang="zh-CN" i="1">
+                        <a:latin typeface="Cambria Math" panose="02040503050406030204" pitchFamily="18" charset="0"/>
+                      </a:rPr>
                       <m:t>−</m:t>
                     </m:r>
                     <m:f>
                       <m:fPr>
                         <m:ctrlPr>
-                          <a:rPr lang="zh-CN" altLang="zh-CN" i="1"/>
+                          <a:rPr lang="zh-CN" altLang="zh-CN" i="1">
+                            <a:latin typeface="Cambria Math" panose="02040503050406030204" pitchFamily="18" charset="0"/>
+                          </a:rPr>
                         </m:ctrlPr>
                       </m:fPr>
                       <m:num>
                         <m:r>
-                          <a:rPr lang="en-US" altLang="zh-CN" i="1"/>
+                          <a:rPr lang="en-US" altLang="zh-CN" i="1">
+                            <a:latin typeface="Cambria Math" panose="02040503050406030204" pitchFamily="18" charset="0"/>
+                          </a:rPr>
                           <m:t>1</m:t>
                         </m:r>
                       </m:num>
                       <m:den>
                         <m:r>
-                          <a:rPr lang="en-US" altLang="zh-CN" i="1"/>
+                          <a:rPr lang="en-US" altLang="zh-CN" i="1">
+                            <a:latin typeface="Cambria Math" panose="02040503050406030204" pitchFamily="18" charset="0"/>
+                          </a:rPr>
                           <m:t>2</m:t>
                         </m:r>
                       </m:den>
@@ -28414,12 +29067,16 @@
                     <m:func>
                       <m:funcPr>
                         <m:ctrlPr>
-                          <a:rPr lang="zh-CN" altLang="zh-CN" i="1"/>
+                          <a:rPr lang="zh-CN" altLang="zh-CN" i="1">
+                            <a:latin typeface="Cambria Math" panose="02040503050406030204" pitchFamily="18" charset="0"/>
+                          </a:rPr>
                         </m:ctrlPr>
                       </m:funcPr>
                       <m:fName>
                         <m:r>
-                          <a:rPr lang="en-US" altLang="zh-CN" i="1"/>
+                          <a:rPr lang="en-US" altLang="zh-CN" i="1">
+                            <a:latin typeface="Cambria Math" panose="02040503050406030204" pitchFamily="18" charset="0"/>
+                          </a:rPr>
                           <m:t>𝑙𝑛</m:t>
                         </m:r>
                       </m:fName>
@@ -28427,64 +29084,86 @@
                         <m:f>
                           <m:fPr>
                             <m:ctrlPr>
-                              <a:rPr lang="zh-CN" altLang="zh-CN" i="1"/>
+                              <a:rPr lang="zh-CN" altLang="zh-CN" i="1">
+                                <a:latin typeface="Cambria Math" panose="02040503050406030204" pitchFamily="18" charset="0"/>
+                              </a:rPr>
                             </m:ctrlPr>
                           </m:fPr>
                           <m:num>
                             <m:r>
-                              <a:rPr lang="en-US" altLang="zh-CN" i="1"/>
+                              <a:rPr lang="en-US" altLang="zh-CN" i="1">
+                                <a:latin typeface="Cambria Math" panose="02040503050406030204" pitchFamily="18" charset="0"/>
+                              </a:rPr>
                               <m:t>|</m:t>
                             </m:r>
                             <m:sSub>
                               <m:sSubPr>
                                 <m:ctrlPr>
-                                  <a:rPr lang="zh-CN" altLang="zh-CN" i="1"/>
+                                  <a:rPr lang="zh-CN" altLang="zh-CN" i="1">
+                                    <a:latin typeface="Cambria Math" panose="02040503050406030204" pitchFamily="18" charset="0"/>
+                                  </a:rPr>
                                 </m:ctrlPr>
                               </m:sSubPr>
                               <m:e>
                                 <m:r>
-                                  <a:rPr lang="en-US" altLang="zh-CN" i="1"/>
+                                  <a:rPr lang="en-US" altLang="zh-CN" i="1">
+                                    <a:latin typeface="Cambria Math" panose="02040503050406030204" pitchFamily="18" charset="0"/>
+                                  </a:rPr>
                                   <m:t>∑</m:t>
                                 </m:r>
                               </m:e>
                               <m:sub>
                                 <m:r>
-                                  <a:rPr lang="en-US" altLang="zh-CN" i="1"/>
+                                  <a:rPr lang="en-US" altLang="zh-CN" i="1">
+                                    <a:latin typeface="Cambria Math" panose="02040503050406030204" pitchFamily="18" charset="0"/>
+                                  </a:rPr>
                                   <m:t>𝑖</m:t>
                                 </m:r>
                               </m:sub>
                             </m:sSub>
                             <m:r>
-                              <a:rPr lang="en-US" altLang="zh-CN" i="1"/>
+                              <a:rPr lang="en-US" altLang="zh-CN" i="1">
+                                <a:latin typeface="Cambria Math" panose="02040503050406030204" pitchFamily="18" charset="0"/>
+                              </a:rPr>
                               <m:t>|</m:t>
                             </m:r>
                           </m:num>
                           <m:den>
                             <m:r>
-                              <a:rPr lang="en-US" altLang="zh-CN" i="1"/>
+                              <a:rPr lang="en-US" altLang="zh-CN" i="1">
+                                <a:latin typeface="Cambria Math" panose="02040503050406030204" pitchFamily="18" charset="0"/>
+                              </a:rPr>
                               <m:t>|</m:t>
                             </m:r>
                             <m:sSub>
                               <m:sSubPr>
                                 <m:ctrlPr>
-                                  <a:rPr lang="zh-CN" altLang="zh-CN" i="1"/>
+                                  <a:rPr lang="zh-CN" altLang="zh-CN" i="1">
+                                    <a:latin typeface="Cambria Math" panose="02040503050406030204" pitchFamily="18" charset="0"/>
+                                  </a:rPr>
                                 </m:ctrlPr>
                               </m:sSubPr>
                               <m:e>
                                 <m:r>
-                                  <a:rPr lang="en-US" altLang="zh-CN" i="1"/>
+                                  <a:rPr lang="en-US" altLang="zh-CN" i="1">
+                                    <a:latin typeface="Cambria Math" panose="02040503050406030204" pitchFamily="18" charset="0"/>
+                                  </a:rPr>
                                   <m:t>∑</m:t>
                                 </m:r>
                               </m:e>
                               <m:sub>
                                 <m:r>
-                                  <a:rPr lang="en-US" altLang="zh-CN" i="1"/>
+                                  <a:rPr lang="en-US" altLang="zh-CN" i="1">
+                                    <a:latin typeface="Cambria Math" panose="02040503050406030204" pitchFamily="18" charset="0"/>
+                                  </a:rPr>
                                   <m:t>𝑗</m:t>
                                 </m:r>
                               </m:sub>
                             </m:sSub>
                             <m:r>
-                              <a:rPr lang="en-US" altLang="zh-CN" i="1"/>
+                              <a:rPr lang="en-US" altLang="zh-CN" i="1">
+                                <a:latin typeface="Cambria Math" panose="02040503050406030204" pitchFamily="18" charset="0"/>
+                              </a:rPr>
                               <m:t>|</m:t>
                             </m:r>
                           </m:den>
@@ -28492,18 +29171,24 @@
                       </m:e>
                     </m:func>
                     <m:r>
-                      <a:rPr lang="en-US" altLang="zh-CN" i="1"/>
+                      <a:rPr lang="en-US" altLang="zh-CN" i="1">
+                        <a:latin typeface="Cambria Math" panose="02040503050406030204" pitchFamily="18" charset="0"/>
+                      </a:rPr>
                       <m:t>+</m:t>
                     </m:r>
                     <m:func>
                       <m:funcPr>
                         <m:ctrlPr>
-                          <a:rPr lang="zh-CN" altLang="zh-CN" i="1"/>
+                          <a:rPr lang="zh-CN" altLang="zh-CN" i="1">
+                            <a:latin typeface="Cambria Math" panose="02040503050406030204" pitchFamily="18" charset="0"/>
+                          </a:rPr>
                         </m:ctrlPr>
                       </m:funcPr>
                       <m:fName>
                         <m:r>
-                          <a:rPr lang="en-US" altLang="zh-CN" i="1"/>
+                          <a:rPr lang="en-US" altLang="zh-CN" i="1">
+                            <a:latin typeface="Cambria Math" panose="02040503050406030204" pitchFamily="18" charset="0"/>
+                          </a:rPr>
                           <m:t>𝑙𝑛</m:t>
                         </m:r>
                       </m:fName>
@@ -28511,72 +29196,98 @@
                         <m:f>
                           <m:fPr>
                             <m:ctrlPr>
-                              <a:rPr lang="zh-CN" altLang="zh-CN" i="1"/>
+                              <a:rPr lang="zh-CN" altLang="zh-CN" i="1">
+                                <a:latin typeface="Cambria Math" panose="02040503050406030204" pitchFamily="18" charset="0"/>
+                              </a:rPr>
                             </m:ctrlPr>
                           </m:fPr>
                           <m:num>
                             <m:r>
-                              <a:rPr lang="en-US" altLang="zh-CN" i="1"/>
+                              <a:rPr lang="en-US" altLang="zh-CN" i="1">
+                                <a:latin typeface="Cambria Math" panose="02040503050406030204" pitchFamily="18" charset="0"/>
+                              </a:rPr>
                               <m:t>𝑃</m:t>
                             </m:r>
                             <m:r>
-                              <a:rPr lang="en-US" altLang="zh-CN" i="1"/>
+                              <a:rPr lang="en-US" altLang="zh-CN" i="1">
+                                <a:latin typeface="Cambria Math" panose="02040503050406030204" pitchFamily="18" charset="0"/>
+                              </a:rPr>
                               <m:t>(</m:t>
                             </m:r>
                             <m:sSub>
                               <m:sSubPr>
                                 <m:ctrlPr>
-                                  <a:rPr lang="zh-CN" altLang="zh-CN" i="1"/>
+                                  <a:rPr lang="zh-CN" altLang="zh-CN" i="1">
+                                    <a:latin typeface="Cambria Math" panose="02040503050406030204" pitchFamily="18" charset="0"/>
+                                  </a:rPr>
                                 </m:ctrlPr>
                               </m:sSubPr>
                               <m:e>
                                 <m:r>
-                                  <a:rPr lang="en-US" altLang="zh-CN" i="1"/>
+                                  <a:rPr lang="en-US" altLang="zh-CN" i="1">
+                                    <a:latin typeface="Cambria Math" panose="02040503050406030204" pitchFamily="18" charset="0"/>
+                                  </a:rPr>
                                   <m:t>𝜔</m:t>
                                 </m:r>
                               </m:e>
                               <m:sub>
                                 <m:r>
-                                  <a:rPr lang="en-US" altLang="zh-CN" i="1"/>
+                                  <a:rPr lang="en-US" altLang="zh-CN" i="1">
+                                    <a:latin typeface="Cambria Math" panose="02040503050406030204" pitchFamily="18" charset="0"/>
+                                  </a:rPr>
                                   <m:t>𝑖</m:t>
                                 </m:r>
                               </m:sub>
                             </m:sSub>
                             <m:r>
-                              <a:rPr lang="en-US" altLang="zh-CN" i="1"/>
+                              <a:rPr lang="en-US" altLang="zh-CN" i="1">
+                                <a:latin typeface="Cambria Math" panose="02040503050406030204" pitchFamily="18" charset="0"/>
+                              </a:rPr>
                               <m:t>)</m:t>
                             </m:r>
                           </m:num>
                           <m:den>
                             <m:r>
-                              <a:rPr lang="en-US" altLang="zh-CN" i="1"/>
+                              <a:rPr lang="en-US" altLang="zh-CN" i="1">
+                                <a:latin typeface="Cambria Math" panose="02040503050406030204" pitchFamily="18" charset="0"/>
+                              </a:rPr>
                               <m:t>𝑃</m:t>
                             </m:r>
                             <m:r>
-                              <a:rPr lang="en-US" altLang="zh-CN" i="1"/>
+                              <a:rPr lang="en-US" altLang="zh-CN" i="1">
+                                <a:latin typeface="Cambria Math" panose="02040503050406030204" pitchFamily="18" charset="0"/>
+                              </a:rPr>
                               <m:t>(</m:t>
                             </m:r>
                             <m:sSub>
                               <m:sSubPr>
                                 <m:ctrlPr>
-                                  <a:rPr lang="zh-CN" altLang="zh-CN" i="1"/>
+                                  <a:rPr lang="zh-CN" altLang="zh-CN" i="1">
+                                    <a:latin typeface="Cambria Math" panose="02040503050406030204" pitchFamily="18" charset="0"/>
+                                  </a:rPr>
                                 </m:ctrlPr>
                               </m:sSubPr>
                               <m:e>
                                 <m:r>
-                                  <a:rPr lang="en-US" altLang="zh-CN" i="1"/>
+                                  <a:rPr lang="en-US" altLang="zh-CN" i="1">
+                                    <a:latin typeface="Cambria Math" panose="02040503050406030204" pitchFamily="18" charset="0"/>
+                                  </a:rPr>
                                   <m:t>𝜔</m:t>
                                 </m:r>
                               </m:e>
                               <m:sub>
                                 <m:r>
-                                  <a:rPr lang="en-US" altLang="zh-CN" i="1"/>
+                                  <a:rPr lang="en-US" altLang="zh-CN" i="1">
+                                    <a:latin typeface="Cambria Math" panose="02040503050406030204" pitchFamily="18" charset="0"/>
+                                  </a:rPr>
                                   <m:t>𝑗</m:t>
                                 </m:r>
                               </m:sub>
                             </m:sSub>
                             <m:r>
-                              <a:rPr lang="en-US" altLang="zh-CN" i="1"/>
+                              <a:rPr lang="en-US" altLang="zh-CN" i="1">
+                                <a:latin typeface="Cambria Math" panose="02040503050406030204" pitchFamily="18" charset="0"/>
+                              </a:rPr>
                               <m:t>)</m:t>
                             </m:r>
                           </m:den>
@@ -28584,7 +29295,9 @@
                       </m:e>
                     </m:func>
                     <m:r>
-                      <a:rPr lang="en-US" altLang="zh-CN" i="1"/>
+                      <a:rPr lang="en-US" altLang="zh-CN" i="1">
+                        <a:latin typeface="Cambria Math" panose="02040503050406030204" pitchFamily="18" charset="0"/>
+                      </a:rPr>
                       <m:t>   =   0</m:t>
                     </m:r>
                   </m:oMath>
@@ -28597,7 +29310,7 @@
             </p:txBody>
           </p:sp>
         </mc:Choice>
-        <mc:Fallback>
+        <mc:Fallback xmlns="">
           <p:sp>
             <p:nvSpPr>
               <p:cNvPr id="3" name="内容占位符 2">
@@ -29887,8 +30600,8 @@
           </a:p>
         </p:txBody>
       </p:sp>
-      <mc:AlternateContent xmlns:mc="http://schemas.openxmlformats.org/markup-compatibility/2006">
-        <mc:Choice xmlns:a14="http://schemas.microsoft.com/office/drawing/2010/main" Requires="a14">
+      <mc:AlternateContent xmlns:mc="http://schemas.openxmlformats.org/markup-compatibility/2006" xmlns:a14="http://schemas.microsoft.com/office/drawing/2010/main">
+        <mc:Choice Requires="a14">
           <p:sp>
             <p:nvSpPr>
               <p:cNvPr id="3" name="内容占位符 2">
@@ -29953,75 +30666,103 @@
                 <a14:m>
                   <m:oMath xmlns:m="http://schemas.openxmlformats.org/officeDocument/2006/math">
                     <m:r>
-                      <a:rPr lang="en-US" altLang="zh-CN" i="1"/>
+                      <a:rPr lang="en-US" altLang="zh-CN" i="1">
+                        <a:latin typeface="Cambria Math" panose="02040503050406030204" pitchFamily="18" charset="0"/>
+                      </a:rPr>
                       <m:t>𝑃</m:t>
                     </m:r>
                     <m:r>
-                      <a:rPr lang="en-US" altLang="zh-CN" i="1"/>
+                      <a:rPr lang="en-US" altLang="zh-CN" i="1">
+                        <a:latin typeface="Cambria Math" panose="02040503050406030204" pitchFamily="18" charset="0"/>
+                      </a:rPr>
                       <m:t>(</m:t>
                     </m:r>
                     <m:r>
-                      <a:rPr lang="en-US" altLang="zh-CN" i="1"/>
+                      <a:rPr lang="en-US" altLang="zh-CN" i="1">
+                        <a:latin typeface="Cambria Math" panose="02040503050406030204" pitchFamily="18" charset="0"/>
+                      </a:rPr>
                       <m:t>𝑒</m:t>
                     </m:r>
                     <m:r>
-                      <a:rPr lang="en-US" altLang="zh-CN" i="1"/>
+                      <a:rPr lang="en-US" altLang="zh-CN" i="1">
+                        <a:latin typeface="Cambria Math" panose="02040503050406030204" pitchFamily="18" charset="0"/>
+                      </a:rPr>
                       <m:t>)=</m:t>
                     </m:r>
                     <m:r>
-                      <a:rPr lang="en-US" altLang="zh-CN" i="1"/>
+                      <a:rPr lang="en-US" altLang="zh-CN" i="1">
+                        <a:latin typeface="Cambria Math" panose="02040503050406030204" pitchFamily="18" charset="0"/>
+                      </a:rPr>
                       <m:t>𝑃</m:t>
                     </m:r>
                     <m:r>
-                      <a:rPr lang="en-US" altLang="zh-CN" i="1"/>
+                      <a:rPr lang="en-US" altLang="zh-CN" i="1">
+                        <a:latin typeface="Cambria Math" panose="02040503050406030204" pitchFamily="18" charset="0"/>
+                      </a:rPr>
                       <m:t>(</m:t>
                     </m:r>
                     <m:sSub>
                       <m:sSubPr>
                         <m:ctrlPr>
-                          <a:rPr lang="zh-CN" altLang="zh-CN" i="1"/>
+                          <a:rPr lang="zh-CN" altLang="zh-CN" i="1">
+                            <a:latin typeface="Cambria Math" panose="02040503050406030204" pitchFamily="18" charset="0"/>
+                          </a:rPr>
                         </m:ctrlPr>
                       </m:sSubPr>
                       <m:e>
                         <m:r>
-                          <a:rPr lang="en-US" altLang="zh-CN" i="1"/>
+                          <a:rPr lang="en-US" altLang="zh-CN" i="1">
+                            <a:latin typeface="Cambria Math" panose="02040503050406030204" pitchFamily="18" charset="0"/>
+                          </a:rPr>
                           <m:t>𝜔</m:t>
                         </m:r>
                       </m:e>
                       <m:sub>
                         <m:r>
-                          <a:rPr lang="en-US" altLang="zh-CN" i="1"/>
+                          <a:rPr lang="en-US" altLang="zh-CN" i="1">
+                            <a:latin typeface="Cambria Math" panose="02040503050406030204" pitchFamily="18" charset="0"/>
+                          </a:rPr>
                           <m:t>1</m:t>
                         </m:r>
                       </m:sub>
                     </m:sSub>
                     <m:r>
-                      <a:rPr lang="en-US" altLang="zh-CN" i="1"/>
+                      <a:rPr lang="en-US" altLang="zh-CN" i="1">
+                        <a:latin typeface="Cambria Math" panose="02040503050406030204" pitchFamily="18" charset="0"/>
+                      </a:rPr>
                       <m:t>)</m:t>
                     </m:r>
                     <m:nary>
                       <m:naryPr>
                         <m:supHide m:val="on"/>
                         <m:ctrlPr>
-                          <a:rPr lang="zh-CN" altLang="zh-CN" i="1"/>
+                          <a:rPr lang="zh-CN" altLang="zh-CN" i="1">
+                            <a:latin typeface="Cambria Math" panose="02040503050406030204" pitchFamily="18" charset="0"/>
+                          </a:rPr>
                         </m:ctrlPr>
                       </m:naryPr>
                       <m:sub>
                         <m:sSub>
                           <m:sSubPr>
                             <m:ctrlPr>
-                              <a:rPr lang="zh-CN" altLang="zh-CN" i="1"/>
+                              <a:rPr lang="zh-CN" altLang="zh-CN" i="1">
+                                <a:latin typeface="Cambria Math" panose="02040503050406030204" pitchFamily="18" charset="0"/>
+                              </a:rPr>
                             </m:ctrlPr>
                           </m:sSubPr>
                           <m:e>
                             <m:r>
-                              <a:rPr lang="en-US" altLang="zh-CN" i="1"/>
+                              <a:rPr lang="en-US" altLang="zh-CN" i="1">
+                                <a:latin typeface="Cambria Math" panose="02040503050406030204" pitchFamily="18" charset="0"/>
+                              </a:rPr>
                               <m:t>𝑅</m:t>
                             </m:r>
                           </m:e>
                           <m:sub>
                             <m:r>
-                              <a:rPr lang="en-US" altLang="zh-CN" i="1"/>
+                              <a:rPr lang="en-US" altLang="zh-CN" i="1">
+                                <a:latin typeface="Cambria Math" panose="02040503050406030204" pitchFamily="18" charset="0"/>
+                              </a:rPr>
                               <m:t>2</m:t>
                             </m:r>
                           </m:sub>
@@ -30030,108 +30771,148 @@
                       <m:sup/>
                       <m:e>
                         <m:r>
-                          <a:rPr lang="en-US" altLang="zh-CN" i="1"/>
+                          <a:rPr lang="en-US" altLang="zh-CN" i="1">
+                            <a:latin typeface="Cambria Math" panose="02040503050406030204" pitchFamily="18" charset="0"/>
+                          </a:rPr>
                           <m:t>𝑝</m:t>
                         </m:r>
                         <m:r>
-                          <a:rPr lang="en-US" altLang="zh-CN" i="1"/>
+                          <a:rPr lang="en-US" altLang="zh-CN" i="1">
+                            <a:latin typeface="Cambria Math" panose="02040503050406030204" pitchFamily="18" charset="0"/>
+                          </a:rPr>
                           <m:t>(</m:t>
                         </m:r>
                         <m:r>
-                          <a:rPr lang="en-US" altLang="zh-CN" i="1"/>
+                          <a:rPr lang="en-US" altLang="zh-CN" i="1">
+                            <a:latin typeface="Cambria Math" panose="02040503050406030204" pitchFamily="18" charset="0"/>
+                          </a:rPr>
                           <m:t>𝑥</m:t>
                         </m:r>
                         <m:r>
-                          <a:rPr lang="en-US" altLang="zh-CN" i="1"/>
+                          <a:rPr lang="en-US" altLang="zh-CN" i="1">
+                            <a:latin typeface="Cambria Math" panose="02040503050406030204" pitchFamily="18" charset="0"/>
+                          </a:rPr>
                           <m:t>|</m:t>
                         </m:r>
                         <m:sSub>
                           <m:sSubPr>
                             <m:ctrlPr>
-                              <a:rPr lang="zh-CN" altLang="zh-CN" i="1"/>
+                              <a:rPr lang="zh-CN" altLang="zh-CN" i="1">
+                                <a:latin typeface="Cambria Math" panose="02040503050406030204" pitchFamily="18" charset="0"/>
+                              </a:rPr>
                             </m:ctrlPr>
                           </m:sSubPr>
                           <m:e>
                             <m:r>
-                              <a:rPr lang="en-US" altLang="zh-CN" i="1"/>
+                              <a:rPr lang="en-US" altLang="zh-CN" i="1">
+                                <a:latin typeface="Cambria Math" panose="02040503050406030204" pitchFamily="18" charset="0"/>
+                              </a:rPr>
                               <m:t>𝜔</m:t>
                             </m:r>
                           </m:e>
                           <m:sub>
                             <m:r>
-                              <a:rPr lang="en-US" altLang="zh-CN" i="1"/>
+                              <a:rPr lang="en-US" altLang="zh-CN" i="1">
+                                <a:latin typeface="Cambria Math" panose="02040503050406030204" pitchFamily="18" charset="0"/>
+                              </a:rPr>
                               <m:t>1</m:t>
                             </m:r>
                           </m:sub>
                         </m:sSub>
                         <m:r>
-                          <a:rPr lang="en-US" altLang="zh-CN" i="1"/>
+                          <a:rPr lang="en-US" altLang="zh-CN" i="1">
+                            <a:latin typeface="Cambria Math" panose="02040503050406030204" pitchFamily="18" charset="0"/>
+                          </a:rPr>
                           <m:t>)</m:t>
                         </m:r>
                         <m:r>
-                          <a:rPr lang="en-US" altLang="zh-CN" i="1"/>
+                          <a:rPr lang="en-US" altLang="zh-CN" i="1">
+                            <a:latin typeface="Cambria Math" panose="02040503050406030204" pitchFamily="18" charset="0"/>
+                          </a:rPr>
                           <m:t>𝑑𝑥</m:t>
                         </m:r>
                       </m:e>
                     </m:nary>
                     <m:r>
-                      <a:rPr lang="en-US" altLang="zh-CN" i="1"/>
+                      <a:rPr lang="en-US" altLang="zh-CN" i="1">
+                        <a:latin typeface="Cambria Math" panose="02040503050406030204" pitchFamily="18" charset="0"/>
+                      </a:rPr>
                       <m:t>+</m:t>
                     </m:r>
                     <m:r>
-                      <a:rPr lang="en-US" altLang="zh-CN" i="1"/>
+                      <a:rPr lang="en-US" altLang="zh-CN" i="1">
+                        <a:latin typeface="Cambria Math" panose="02040503050406030204" pitchFamily="18" charset="0"/>
+                      </a:rPr>
                       <m:t>𝑃</m:t>
                     </m:r>
                     <m:r>
-                      <a:rPr lang="en-US" altLang="zh-CN" i="1"/>
+                      <a:rPr lang="en-US" altLang="zh-CN" i="1">
+                        <a:latin typeface="Cambria Math" panose="02040503050406030204" pitchFamily="18" charset="0"/>
+                      </a:rPr>
                       <m:t>(</m:t>
                     </m:r>
                     <m:sSub>
                       <m:sSubPr>
                         <m:ctrlPr>
-                          <a:rPr lang="zh-CN" altLang="zh-CN" i="1"/>
+                          <a:rPr lang="zh-CN" altLang="zh-CN" i="1">
+                            <a:latin typeface="Cambria Math" panose="02040503050406030204" pitchFamily="18" charset="0"/>
+                          </a:rPr>
                         </m:ctrlPr>
                       </m:sSubPr>
                       <m:e>
                         <m:r>
-                          <a:rPr lang="en-US" altLang="zh-CN" i="1"/>
+                          <a:rPr lang="en-US" altLang="zh-CN" i="1">
+                            <a:latin typeface="Cambria Math" panose="02040503050406030204" pitchFamily="18" charset="0"/>
+                          </a:rPr>
                           <m:t>𝜔</m:t>
                         </m:r>
                       </m:e>
                       <m:sub>
                         <m:r>
-                          <a:rPr lang="en-US" altLang="zh-CN" i="1"/>
+                          <a:rPr lang="en-US" altLang="zh-CN" i="1">
+                            <a:latin typeface="Cambria Math" panose="02040503050406030204" pitchFamily="18" charset="0"/>
+                          </a:rPr>
                           <m:t>2</m:t>
                         </m:r>
                       </m:sub>
                     </m:sSub>
                     <m:r>
-                      <a:rPr lang="en-US" altLang="zh-CN" i="1"/>
+                      <a:rPr lang="en-US" altLang="zh-CN" i="1">
+                        <a:latin typeface="Cambria Math" panose="02040503050406030204" pitchFamily="18" charset="0"/>
+                      </a:rPr>
                       <m:t>)</m:t>
                     </m:r>
                     <m:nary>
                       <m:naryPr>
                         <m:supHide m:val="on"/>
                         <m:ctrlPr>
-                          <a:rPr lang="zh-CN" altLang="zh-CN" i="1"/>
+                          <a:rPr lang="zh-CN" altLang="zh-CN" i="1">
+                            <a:latin typeface="Cambria Math" panose="02040503050406030204" pitchFamily="18" charset="0"/>
+                          </a:rPr>
                         </m:ctrlPr>
                       </m:naryPr>
                       <m:sub>
                         <m:sSub>
                           <m:sSubPr>
                             <m:ctrlPr>
-                              <a:rPr lang="zh-CN" altLang="zh-CN" i="1"/>
+                              <a:rPr lang="zh-CN" altLang="zh-CN" i="1">
+                                <a:latin typeface="Cambria Math" panose="02040503050406030204" pitchFamily="18" charset="0"/>
+                              </a:rPr>
                             </m:ctrlPr>
                           </m:sSubPr>
                           <m:e>
                             <m:r>
-                              <a:rPr lang="en-US" altLang="zh-CN" i="1"/>
+                              <a:rPr lang="en-US" altLang="zh-CN" i="1">
+                                <a:latin typeface="Cambria Math" panose="02040503050406030204" pitchFamily="18" charset="0"/>
+                              </a:rPr>
                               <m:t>𝑅</m:t>
                             </m:r>
                           </m:e>
                           <m:sub>
                             <m:r>
-                              <a:rPr lang="en-US" altLang="zh-CN" i="1"/>
+                              <a:rPr lang="en-US" altLang="zh-CN" i="1">
+                                <a:latin typeface="Cambria Math" panose="02040503050406030204" pitchFamily="18" charset="0"/>
+                              </a:rPr>
                               <m:t>1</m:t>
                             </m:r>
                           </m:sub>
@@ -30140,46 +30921,64 @@
                       <m:sup/>
                       <m:e>
                         <m:r>
-                          <a:rPr lang="en-US" altLang="zh-CN" i="1"/>
+                          <a:rPr lang="en-US" altLang="zh-CN" i="1">
+                            <a:latin typeface="Cambria Math" panose="02040503050406030204" pitchFamily="18" charset="0"/>
+                          </a:rPr>
                           <m:t>𝑝</m:t>
                         </m:r>
                         <m:r>
-                          <a:rPr lang="en-US" altLang="zh-CN" i="1"/>
+                          <a:rPr lang="en-US" altLang="zh-CN" i="1">
+                            <a:latin typeface="Cambria Math" panose="02040503050406030204" pitchFamily="18" charset="0"/>
+                          </a:rPr>
                           <m:t>(</m:t>
                         </m:r>
                         <m:r>
-                          <a:rPr lang="en-US" altLang="zh-CN" i="1"/>
+                          <a:rPr lang="en-US" altLang="zh-CN" i="1">
+                            <a:latin typeface="Cambria Math" panose="02040503050406030204" pitchFamily="18" charset="0"/>
+                          </a:rPr>
                           <m:t>𝑥</m:t>
                         </m:r>
                         <m:r>
-                          <a:rPr lang="en-US" altLang="zh-CN" i="1"/>
+                          <a:rPr lang="en-US" altLang="zh-CN" i="1">
+                            <a:latin typeface="Cambria Math" panose="02040503050406030204" pitchFamily="18" charset="0"/>
+                          </a:rPr>
                           <m:t>|</m:t>
                         </m:r>
                         <m:sSub>
                           <m:sSubPr>
                             <m:ctrlPr>
-                              <a:rPr lang="zh-CN" altLang="zh-CN" i="1"/>
+                              <a:rPr lang="zh-CN" altLang="zh-CN" i="1">
+                                <a:latin typeface="Cambria Math" panose="02040503050406030204" pitchFamily="18" charset="0"/>
+                              </a:rPr>
                             </m:ctrlPr>
                           </m:sSubPr>
                           <m:e>
                             <m:r>
-                              <a:rPr lang="en-US" altLang="zh-CN" i="1"/>
+                              <a:rPr lang="en-US" altLang="zh-CN" i="1">
+                                <a:latin typeface="Cambria Math" panose="02040503050406030204" pitchFamily="18" charset="0"/>
+                              </a:rPr>
                               <m:t>𝜔</m:t>
                             </m:r>
                           </m:e>
                           <m:sub>
                             <m:r>
-                              <a:rPr lang="en-US" altLang="zh-CN" i="1"/>
+                              <a:rPr lang="en-US" altLang="zh-CN" i="1">
+                                <a:latin typeface="Cambria Math" panose="02040503050406030204" pitchFamily="18" charset="0"/>
+                              </a:rPr>
                               <m:t>2</m:t>
                             </m:r>
                           </m:sub>
                         </m:sSub>
                         <m:r>
-                          <a:rPr lang="en-US" altLang="zh-CN" i="1"/>
+                          <a:rPr lang="en-US" altLang="zh-CN" i="1">
+                            <a:latin typeface="Cambria Math" panose="02040503050406030204" pitchFamily="18" charset="0"/>
+                          </a:rPr>
                           <m:t>)</m:t>
                         </m:r>
                         <m:r>
-                          <a:rPr lang="en-US" altLang="zh-CN" i="1"/>
+                          <a:rPr lang="en-US" altLang="zh-CN" i="1">
+                            <a:latin typeface="Cambria Math" panose="02040503050406030204" pitchFamily="18" charset="0"/>
+                          </a:rPr>
                           <m:t>𝑑𝑥</m:t>
                         </m:r>
                       </m:e>
@@ -30204,131 +31003,181 @@
                 <a14:m>
                   <m:oMath xmlns:m="http://schemas.openxmlformats.org/officeDocument/2006/math">
                     <m:r>
-                      <a:rPr lang="en-US" altLang="zh-CN" i="1"/>
+                      <a:rPr lang="en-US" altLang="zh-CN" i="1">
+                        <a:latin typeface="Cambria Math" panose="02040503050406030204" pitchFamily="18" charset="0"/>
+                      </a:rPr>
                       <m:t>=</m:t>
                     </m:r>
                     <m:r>
-                      <a:rPr lang="en-US" altLang="zh-CN" i="1"/>
+                      <a:rPr lang="en-US" altLang="zh-CN" i="1">
+                        <a:latin typeface="Cambria Math" panose="02040503050406030204" pitchFamily="18" charset="0"/>
+                      </a:rPr>
                       <m:t>𝑃</m:t>
                     </m:r>
                     <m:r>
-                      <a:rPr lang="en-US" altLang="zh-CN" i="1"/>
+                      <a:rPr lang="en-US" altLang="zh-CN" i="1">
+                        <a:latin typeface="Cambria Math" panose="02040503050406030204" pitchFamily="18" charset="0"/>
+                      </a:rPr>
                       <m:t>(</m:t>
                     </m:r>
                     <m:sSub>
                       <m:sSubPr>
                         <m:ctrlPr>
-                          <a:rPr lang="zh-CN" altLang="zh-CN" i="1"/>
+                          <a:rPr lang="zh-CN" altLang="zh-CN" i="1">
+                            <a:latin typeface="Cambria Math" panose="02040503050406030204" pitchFamily="18" charset="0"/>
+                          </a:rPr>
                         </m:ctrlPr>
                       </m:sSubPr>
                       <m:e>
                         <m:r>
-                          <a:rPr lang="en-US" altLang="zh-CN" i="1"/>
+                          <a:rPr lang="en-US" altLang="zh-CN" i="1">
+                            <a:latin typeface="Cambria Math" panose="02040503050406030204" pitchFamily="18" charset="0"/>
+                          </a:rPr>
                           <m:t>𝜔</m:t>
                         </m:r>
                       </m:e>
                       <m:sub>
                         <m:r>
-                          <a:rPr lang="en-US" altLang="zh-CN" i="1"/>
+                          <a:rPr lang="en-US" altLang="zh-CN" i="1">
+                            <a:latin typeface="Cambria Math" panose="02040503050406030204" pitchFamily="18" charset="0"/>
+                          </a:rPr>
                           <m:t>1</m:t>
                         </m:r>
                       </m:sub>
                     </m:sSub>
                     <m:r>
-                      <a:rPr lang="en-US" altLang="zh-CN" i="1"/>
+                      <a:rPr lang="en-US" altLang="zh-CN" i="1">
+                        <a:latin typeface="Cambria Math" panose="02040503050406030204" pitchFamily="18" charset="0"/>
+                      </a:rPr>
                       <m:t>)</m:t>
                     </m:r>
                     <m:sSub>
                       <m:sSubPr>
                         <m:ctrlPr>
-                          <a:rPr lang="zh-CN" altLang="zh-CN" i="1"/>
+                          <a:rPr lang="zh-CN" altLang="zh-CN" i="1">
+                            <a:latin typeface="Cambria Math" panose="02040503050406030204" pitchFamily="18" charset="0"/>
+                          </a:rPr>
                         </m:ctrlPr>
                       </m:sSubPr>
                       <m:e>
                         <m:r>
-                          <a:rPr lang="en-US" altLang="zh-CN" i="1"/>
+                          <a:rPr lang="en-US" altLang="zh-CN" i="1">
+                            <a:latin typeface="Cambria Math" panose="02040503050406030204" pitchFamily="18" charset="0"/>
+                          </a:rPr>
                           <m:t>𝑃</m:t>
                         </m:r>
                       </m:e>
                       <m:sub>
                         <m:r>
-                          <a:rPr lang="en-US" altLang="zh-CN" i="1"/>
+                          <a:rPr lang="en-US" altLang="zh-CN" i="1">
+                            <a:latin typeface="Cambria Math" panose="02040503050406030204" pitchFamily="18" charset="0"/>
+                          </a:rPr>
                           <m:t>1</m:t>
                         </m:r>
                       </m:sub>
                     </m:sSub>
                     <m:r>
-                      <a:rPr lang="en-US" altLang="zh-CN" i="1"/>
+                      <a:rPr lang="en-US" altLang="zh-CN" i="1">
+                        <a:latin typeface="Cambria Math" panose="02040503050406030204" pitchFamily="18" charset="0"/>
+                      </a:rPr>
                       <m:t>(</m:t>
                     </m:r>
                     <m:r>
-                      <a:rPr lang="en-US" altLang="zh-CN" i="1"/>
+                      <a:rPr lang="en-US" altLang="zh-CN" i="1">
+                        <a:latin typeface="Cambria Math" panose="02040503050406030204" pitchFamily="18" charset="0"/>
+                      </a:rPr>
                       <m:t>𝑒</m:t>
                     </m:r>
                     <m:r>
-                      <a:rPr lang="en-US" altLang="zh-CN" i="1"/>
+                      <a:rPr lang="en-US" altLang="zh-CN" i="1">
+                        <a:latin typeface="Cambria Math" panose="02040503050406030204" pitchFamily="18" charset="0"/>
+                      </a:rPr>
                       <m:t>)+</m:t>
                     </m:r>
                     <m:r>
-                      <a:rPr lang="en-US" altLang="zh-CN" i="1"/>
+                      <a:rPr lang="en-US" altLang="zh-CN" i="1">
+                        <a:latin typeface="Cambria Math" panose="02040503050406030204" pitchFamily="18" charset="0"/>
+                      </a:rPr>
                       <m:t>𝑃</m:t>
                     </m:r>
                     <m:r>
-                      <a:rPr lang="en-US" altLang="zh-CN" i="1"/>
+                      <a:rPr lang="en-US" altLang="zh-CN" i="1">
+                        <a:latin typeface="Cambria Math" panose="02040503050406030204" pitchFamily="18" charset="0"/>
+                      </a:rPr>
                       <m:t>(</m:t>
                     </m:r>
                     <m:sSub>
                       <m:sSubPr>
                         <m:ctrlPr>
-                          <a:rPr lang="zh-CN" altLang="zh-CN" i="1"/>
+                          <a:rPr lang="zh-CN" altLang="zh-CN" i="1">
+                            <a:latin typeface="Cambria Math" panose="02040503050406030204" pitchFamily="18" charset="0"/>
+                          </a:rPr>
                         </m:ctrlPr>
                       </m:sSubPr>
                       <m:e>
                         <m:r>
-                          <a:rPr lang="en-US" altLang="zh-CN" i="1"/>
+                          <a:rPr lang="en-US" altLang="zh-CN" i="1">
+                            <a:latin typeface="Cambria Math" panose="02040503050406030204" pitchFamily="18" charset="0"/>
+                          </a:rPr>
                           <m:t>𝜔</m:t>
                         </m:r>
                       </m:e>
                       <m:sub>
                         <m:r>
-                          <a:rPr lang="en-US" altLang="zh-CN" i="1"/>
+                          <a:rPr lang="en-US" altLang="zh-CN" i="1">
+                            <a:latin typeface="Cambria Math" panose="02040503050406030204" pitchFamily="18" charset="0"/>
+                          </a:rPr>
                           <m:t>2</m:t>
                         </m:r>
                       </m:sub>
                     </m:sSub>
                     <m:r>
-                      <a:rPr lang="en-US" altLang="zh-CN" i="1"/>
+                      <a:rPr lang="en-US" altLang="zh-CN" i="1">
+                        <a:latin typeface="Cambria Math" panose="02040503050406030204" pitchFamily="18" charset="0"/>
+                      </a:rPr>
                       <m:t>)</m:t>
                     </m:r>
                     <m:sSub>
                       <m:sSubPr>
                         <m:ctrlPr>
-                          <a:rPr lang="zh-CN" altLang="zh-CN" i="1"/>
+                          <a:rPr lang="zh-CN" altLang="zh-CN" i="1">
+                            <a:latin typeface="Cambria Math" panose="02040503050406030204" pitchFamily="18" charset="0"/>
+                          </a:rPr>
                         </m:ctrlPr>
                       </m:sSubPr>
                       <m:e>
                         <m:r>
-                          <a:rPr lang="en-US" altLang="zh-CN" i="1"/>
+                          <a:rPr lang="en-US" altLang="zh-CN" i="1">
+                            <a:latin typeface="Cambria Math" panose="02040503050406030204" pitchFamily="18" charset="0"/>
+                          </a:rPr>
                           <m:t>𝑃</m:t>
                         </m:r>
                       </m:e>
                       <m:sub>
                         <m:r>
-                          <a:rPr lang="en-US" altLang="zh-CN" i="1"/>
+                          <a:rPr lang="en-US" altLang="zh-CN" i="1">
+                            <a:latin typeface="Cambria Math" panose="02040503050406030204" pitchFamily="18" charset="0"/>
+                          </a:rPr>
                           <m:t>2</m:t>
                         </m:r>
                       </m:sub>
                     </m:sSub>
                     <m:r>
-                      <a:rPr lang="en-US" altLang="zh-CN" i="1"/>
+                      <a:rPr lang="en-US" altLang="zh-CN" i="1">
+                        <a:latin typeface="Cambria Math" panose="02040503050406030204" pitchFamily="18" charset="0"/>
+                      </a:rPr>
                       <m:t>(</m:t>
                     </m:r>
                     <m:r>
-                      <a:rPr lang="en-US" altLang="zh-CN" i="1"/>
+                      <a:rPr lang="en-US" altLang="zh-CN" i="1">
+                        <a:latin typeface="Cambria Math" panose="02040503050406030204" pitchFamily="18" charset="0"/>
+                      </a:rPr>
                       <m:t>𝑒</m:t>
                     </m:r>
                     <m:r>
-                      <a:rPr lang="en-US" altLang="zh-CN" i="1"/>
+                      <a:rPr lang="en-US" altLang="zh-CN" i="1">
+                        <a:latin typeface="Cambria Math" panose="02040503050406030204" pitchFamily="18" charset="0"/>
+                      </a:rPr>
                       <m:t>)</m:t>
                     </m:r>
                   </m:oMath>
@@ -30368,7 +31217,7 @@
             </p:txBody>
           </p:sp>
         </mc:Choice>
-        <mc:Fallback>
+        <mc:Fallback xmlns="">
           <p:sp>
             <p:nvSpPr>
               <p:cNvPr id="3" name="内容占位符 2">
